--- a/Divulgacao/Apresentacao/WeBook.pptx
+++ b/Divulgacao/Apresentacao/WeBook.pptx
@@ -8,10 +8,9 @@
     <p:sldId id="256" r:id="rId2"/>
     <p:sldId id="257" r:id="rId3"/>
     <p:sldId id="258" r:id="rId4"/>
-    <p:sldId id="265" r:id="rId5"/>
-    <p:sldId id="259" r:id="rId6"/>
-    <p:sldId id="264" r:id="rId7"/>
-    <p:sldId id="262" r:id="rId8"/>
+    <p:sldId id="259" r:id="rId5"/>
+    <p:sldId id="264" r:id="rId6"/>
+    <p:sldId id="262" r:id="rId7"/>
   </p:sldIdLst>
   <p:sldSz cx="12192000" cy="6858000"/>
   <p:notesSz cx="6858000" cy="9144000"/>
@@ -189,7 +188,7 @@
           <a:noFill/>
           <a:extLst>
             <a:ext uri="{909E8E84-426E-40dd-AFC4-6F175D3DCCD1}">
-              <a14:hiddenFill xmlns:a14="http://schemas.microsoft.com/office/drawing/2010/main" xmlns="">
+              <a14:hiddenFill xmlns="" xmlns:a14="http://schemas.microsoft.com/office/drawing/2010/main">
                 <a:solidFill>
                   <a:srgbClr val="FFFFFF"/>
                 </a:solidFill>
@@ -249,7 +248,7 @@
             </a:ln>
             <a:extLst>
               <a:ext uri="{91240B29-F687-4f45-9708-019B960494DF}">
-                <a14:hiddenLine xmlns:a14="http://schemas.microsoft.com/office/drawing/2010/main" xmlns="" w="9525">
+                <a14:hiddenLine xmlns="" xmlns:a14="http://schemas.microsoft.com/office/drawing/2010/main" w="9525">
                   <a:solidFill>
                     <a:srgbClr val="000000"/>
                   </a:solidFill>
@@ -339,7 +338,7 @@
             </a:ln>
             <a:extLst>
               <a:ext uri="{91240B29-F687-4f45-9708-019B960494DF}">
-                <a14:hiddenLine xmlns:a14="http://schemas.microsoft.com/office/drawing/2010/main" xmlns="" w="9525">
+                <a14:hiddenLine xmlns="" xmlns:a14="http://schemas.microsoft.com/office/drawing/2010/main" w="9525">
                   <a:solidFill>
                     <a:srgbClr val="000000"/>
                   </a:solidFill>
@@ -429,7 +428,7 @@
             </a:ln>
             <a:extLst>
               <a:ext uri="{91240B29-F687-4f45-9708-019B960494DF}">
-                <a14:hiddenLine xmlns:a14="http://schemas.microsoft.com/office/drawing/2010/main" xmlns="" w="9525">
+                <a14:hiddenLine xmlns="" xmlns:a14="http://schemas.microsoft.com/office/drawing/2010/main" w="9525">
                   <a:solidFill>
                     <a:srgbClr val="000000"/>
                   </a:solidFill>
@@ -463,7 +462,7 @@
             </a:ln>
             <a:extLst>
               <a:ext uri="{91240B29-F687-4f45-9708-019B960494DF}">
-                <a14:hiddenLine xmlns:a14="http://schemas.microsoft.com/office/drawing/2010/main" xmlns="" w="9525">
+                <a14:hiddenLine xmlns="" xmlns:a14="http://schemas.microsoft.com/office/drawing/2010/main" w="9525">
                   <a:solidFill>
                     <a:srgbClr val="000000"/>
                   </a:solidFill>
@@ -553,7 +552,7 @@
             </a:ln>
             <a:extLst>
               <a:ext uri="{91240B29-F687-4f45-9708-019B960494DF}">
-                <a14:hiddenLine xmlns:a14="http://schemas.microsoft.com/office/drawing/2010/main" xmlns="" w="9525">
+                <a14:hiddenLine xmlns="" xmlns:a14="http://schemas.microsoft.com/office/drawing/2010/main" w="9525">
                   <a:solidFill>
                     <a:srgbClr val="000000"/>
                   </a:solidFill>
@@ -615,7 +614,7 @@
             </a:ln>
             <a:extLst>
               <a:ext uri="{91240B29-F687-4f45-9708-019B960494DF}">
-                <a14:hiddenLine xmlns:a14="http://schemas.microsoft.com/office/drawing/2010/main" xmlns="" w="9525">
+                <a14:hiddenLine xmlns="" xmlns:a14="http://schemas.microsoft.com/office/drawing/2010/main" w="9525">
                   <a:solidFill>
                     <a:srgbClr val="000000"/>
                   </a:solidFill>
@@ -677,7 +676,7 @@
             </a:ln>
             <a:extLst>
               <a:ext uri="{91240B29-F687-4f45-9708-019B960494DF}">
-                <a14:hiddenLine xmlns:a14="http://schemas.microsoft.com/office/drawing/2010/main" xmlns="" w="9525">
+                <a14:hiddenLine xmlns="" xmlns:a14="http://schemas.microsoft.com/office/drawing/2010/main" w="9525">
                   <a:solidFill>
                     <a:srgbClr val="000000"/>
                   </a:solidFill>
@@ -767,7 +766,7 @@
             </a:ln>
             <a:extLst>
               <a:ext uri="{91240B29-F687-4f45-9708-019B960494DF}">
-                <a14:hiddenLine xmlns:a14="http://schemas.microsoft.com/office/drawing/2010/main" xmlns="" w="9525">
+                <a14:hiddenLine xmlns="" xmlns:a14="http://schemas.microsoft.com/office/drawing/2010/main" w="9525">
                   <a:solidFill>
                     <a:srgbClr val="000000"/>
                   </a:solidFill>
@@ -829,7 +828,7 @@
             </a:ln>
             <a:extLst>
               <a:ext uri="{91240B29-F687-4f45-9708-019B960494DF}">
-                <a14:hiddenLine xmlns:a14="http://schemas.microsoft.com/office/drawing/2010/main" xmlns="" w="9525">
+                <a14:hiddenLine xmlns="" xmlns:a14="http://schemas.microsoft.com/office/drawing/2010/main" w="9525">
                   <a:solidFill>
                     <a:srgbClr val="000000"/>
                   </a:solidFill>
@@ -891,7 +890,7 @@
             </a:ln>
             <a:extLst>
               <a:ext uri="{91240B29-F687-4f45-9708-019B960494DF}">
-                <a14:hiddenLine xmlns:a14="http://schemas.microsoft.com/office/drawing/2010/main" xmlns="" w="9525">
+                <a14:hiddenLine xmlns="" xmlns:a14="http://schemas.microsoft.com/office/drawing/2010/main" w="9525">
                   <a:solidFill>
                     <a:srgbClr val="000000"/>
                   </a:solidFill>
@@ -981,7 +980,7 @@
             </a:ln>
             <a:extLst>
               <a:ext uri="{91240B29-F687-4f45-9708-019B960494DF}">
-                <a14:hiddenLine xmlns:a14="http://schemas.microsoft.com/office/drawing/2010/main" xmlns="" w="9525">
+                <a14:hiddenLine xmlns="" xmlns:a14="http://schemas.microsoft.com/office/drawing/2010/main" w="9525">
                   <a:solidFill>
                     <a:srgbClr val="000000"/>
                   </a:solidFill>
@@ -1071,7 +1070,7 @@
             </a:ln>
             <a:extLst>
               <a:ext uri="{91240B29-F687-4f45-9708-019B960494DF}">
-                <a14:hiddenLine xmlns:a14="http://schemas.microsoft.com/office/drawing/2010/main" xmlns="" w="9525">
+                <a14:hiddenLine xmlns="" xmlns:a14="http://schemas.microsoft.com/office/drawing/2010/main" w="9525">
                   <a:solidFill>
                     <a:srgbClr val="000000"/>
                   </a:solidFill>
@@ -1133,7 +1132,7 @@
             </a:ln>
             <a:extLst>
               <a:ext uri="{91240B29-F687-4f45-9708-019B960494DF}">
-                <a14:hiddenLine xmlns:a14="http://schemas.microsoft.com/office/drawing/2010/main" xmlns="" w="9525">
+                <a14:hiddenLine xmlns="" xmlns:a14="http://schemas.microsoft.com/office/drawing/2010/main" w="9525">
                   <a:solidFill>
                     <a:srgbClr val="000000"/>
                   </a:solidFill>
@@ -1243,7 +1242,7 @@
             </a:ln>
             <a:extLst>
               <a:ext uri="{91240B29-F687-4f45-9708-019B960494DF}">
-                <a14:hiddenLine xmlns:a14="http://schemas.microsoft.com/office/drawing/2010/main" xmlns="" w="9525">
+                <a14:hiddenLine xmlns="" xmlns:a14="http://schemas.microsoft.com/office/drawing/2010/main" w="9525">
                   <a:solidFill>
                     <a:srgbClr val="000000"/>
                   </a:solidFill>
@@ -1305,7 +1304,7 @@
             </a:ln>
             <a:extLst>
               <a:ext uri="{91240B29-F687-4f45-9708-019B960494DF}">
-                <a14:hiddenLine xmlns:a14="http://schemas.microsoft.com/office/drawing/2010/main" xmlns="" w="9525">
+                <a14:hiddenLine xmlns="" xmlns:a14="http://schemas.microsoft.com/office/drawing/2010/main" w="9525">
                   <a:solidFill>
                     <a:srgbClr val="000000"/>
                   </a:solidFill>
@@ -1395,7 +1394,7 @@
             </a:ln>
             <a:extLst>
               <a:ext uri="{91240B29-F687-4f45-9708-019B960494DF}">
-                <a14:hiddenLine xmlns:a14="http://schemas.microsoft.com/office/drawing/2010/main" xmlns="" w="9525">
+                <a14:hiddenLine xmlns="" xmlns:a14="http://schemas.microsoft.com/office/drawing/2010/main" w="9525">
                   <a:solidFill>
                     <a:srgbClr val="000000"/>
                   </a:solidFill>
@@ -1485,7 +1484,7 @@
             </a:ln>
             <a:extLst>
               <a:ext uri="{91240B29-F687-4f45-9708-019B960494DF}">
-                <a14:hiddenLine xmlns:a14="http://schemas.microsoft.com/office/drawing/2010/main" xmlns="" w="9525">
+                <a14:hiddenLine xmlns="" xmlns:a14="http://schemas.microsoft.com/office/drawing/2010/main" w="9525">
                   <a:solidFill>
                     <a:srgbClr val="000000"/>
                   </a:solidFill>
@@ -1547,7 +1546,7 @@
             </a:ln>
             <a:extLst>
               <a:ext uri="{91240B29-F687-4f45-9708-019B960494DF}">
-                <a14:hiddenLine xmlns:a14="http://schemas.microsoft.com/office/drawing/2010/main" xmlns="" w="9525">
+                <a14:hiddenLine xmlns="" xmlns:a14="http://schemas.microsoft.com/office/drawing/2010/main" w="9525">
                   <a:solidFill>
                     <a:srgbClr val="000000"/>
                   </a:solidFill>
@@ -1637,7 +1636,7 @@
             </a:ln>
             <a:extLst>
               <a:ext uri="{91240B29-F687-4f45-9708-019B960494DF}">
-                <a14:hiddenLine xmlns:a14="http://schemas.microsoft.com/office/drawing/2010/main" xmlns="" w="9525">
+                <a14:hiddenLine xmlns="" xmlns:a14="http://schemas.microsoft.com/office/drawing/2010/main" w="9525">
                   <a:solidFill>
                     <a:srgbClr val="000000"/>
                   </a:solidFill>
@@ -1727,7 +1726,7 @@
             </a:ln>
             <a:extLst>
               <a:ext uri="{91240B29-F687-4f45-9708-019B960494DF}">
-                <a14:hiddenLine xmlns:a14="http://schemas.microsoft.com/office/drawing/2010/main" xmlns="" w="9525">
+                <a14:hiddenLine xmlns="" xmlns:a14="http://schemas.microsoft.com/office/drawing/2010/main" w="9525">
                   <a:solidFill>
                     <a:srgbClr val="000000"/>
                   </a:solidFill>
@@ -1783,7 +1782,7 @@
             </a:ln>
             <a:extLst>
               <a:ext uri="{91240B29-F687-4f45-9708-019B960494DF}">
-                <a14:hiddenLine xmlns:a14="http://schemas.microsoft.com/office/drawing/2010/main" xmlns="" w="9525">
+                <a14:hiddenLine xmlns="" xmlns:a14="http://schemas.microsoft.com/office/drawing/2010/main" w="9525">
                   <a:solidFill>
                     <a:srgbClr val="000000"/>
                   </a:solidFill>
@@ -1873,7 +1872,7 @@
             </a:ln>
             <a:extLst>
               <a:ext uri="{91240B29-F687-4f45-9708-019B960494DF}">
-                <a14:hiddenLine xmlns:a14="http://schemas.microsoft.com/office/drawing/2010/main" xmlns="" w="9525">
+                <a14:hiddenLine xmlns="" xmlns:a14="http://schemas.microsoft.com/office/drawing/2010/main" w="9525">
                   <a:solidFill>
                     <a:srgbClr val="000000"/>
                   </a:solidFill>
@@ -1929,7 +1928,7 @@
             </a:ln>
             <a:extLst>
               <a:ext uri="{91240B29-F687-4f45-9708-019B960494DF}">
-                <a14:hiddenLine xmlns:a14="http://schemas.microsoft.com/office/drawing/2010/main" xmlns="" w="9525">
+                <a14:hiddenLine xmlns="" xmlns:a14="http://schemas.microsoft.com/office/drawing/2010/main" w="9525">
                   <a:solidFill>
                     <a:srgbClr val="000000"/>
                   </a:solidFill>
@@ -2019,7 +2018,7 @@
             </a:ln>
             <a:extLst>
               <a:ext uri="{91240B29-F687-4f45-9708-019B960494DF}">
-                <a14:hiddenLine xmlns:a14="http://schemas.microsoft.com/office/drawing/2010/main" xmlns="" w="9525">
+                <a14:hiddenLine xmlns="" xmlns:a14="http://schemas.microsoft.com/office/drawing/2010/main" w="9525">
                   <a:solidFill>
                     <a:srgbClr val="000000"/>
                   </a:solidFill>
@@ -2087,7 +2086,7 @@
             </a:ln>
             <a:extLst>
               <a:ext uri="{91240B29-F687-4f45-9708-019B960494DF}">
-                <a14:hiddenLine xmlns:a14="http://schemas.microsoft.com/office/drawing/2010/main" xmlns="" w="9525">
+                <a14:hiddenLine xmlns="" xmlns:a14="http://schemas.microsoft.com/office/drawing/2010/main" w="9525">
                   <a:solidFill>
                     <a:srgbClr val="000000"/>
                   </a:solidFill>
@@ -2177,7 +2176,7 @@
             </a:ln>
             <a:extLst>
               <a:ext uri="{91240B29-F687-4f45-9708-019B960494DF}">
-                <a14:hiddenLine xmlns:a14="http://schemas.microsoft.com/office/drawing/2010/main" xmlns="" w="9525">
+                <a14:hiddenLine xmlns="" xmlns:a14="http://schemas.microsoft.com/office/drawing/2010/main" w="9525">
                   <a:solidFill>
                     <a:srgbClr val="000000"/>
                   </a:solidFill>
@@ -2245,7 +2244,7 @@
             </a:ln>
             <a:extLst>
               <a:ext uri="{91240B29-F687-4f45-9708-019B960494DF}">
-                <a14:hiddenLine xmlns:a14="http://schemas.microsoft.com/office/drawing/2010/main" xmlns="" w="9525">
+                <a14:hiddenLine xmlns="" xmlns:a14="http://schemas.microsoft.com/office/drawing/2010/main" w="9525">
                   <a:solidFill>
                     <a:srgbClr val="000000"/>
                   </a:solidFill>
@@ -2335,7 +2334,7 @@
             </a:ln>
             <a:extLst>
               <a:ext uri="{91240B29-F687-4f45-9708-019B960494DF}">
-                <a14:hiddenLine xmlns:a14="http://schemas.microsoft.com/office/drawing/2010/main" xmlns="" w="9525">
+                <a14:hiddenLine xmlns="" xmlns:a14="http://schemas.microsoft.com/office/drawing/2010/main" w="9525">
                   <a:solidFill>
                     <a:srgbClr val="000000"/>
                   </a:solidFill>
@@ -2369,7 +2368,7 @@
             </a:ln>
             <a:extLst>
               <a:ext uri="{91240B29-F687-4f45-9708-019B960494DF}">
-                <a14:hiddenLine xmlns:a14="http://schemas.microsoft.com/office/drawing/2010/main" xmlns="" w="9525">
+                <a14:hiddenLine xmlns="" xmlns:a14="http://schemas.microsoft.com/office/drawing/2010/main" w="9525">
                   <a:solidFill>
                     <a:srgbClr val="000000"/>
                   </a:solidFill>
@@ -2459,7 +2458,7 @@
             </a:ln>
             <a:extLst>
               <a:ext uri="{91240B29-F687-4f45-9708-019B960494DF}">
-                <a14:hiddenLine xmlns:a14="http://schemas.microsoft.com/office/drawing/2010/main" xmlns="" w="9525">
+                <a14:hiddenLine xmlns="" xmlns:a14="http://schemas.microsoft.com/office/drawing/2010/main" w="9525">
                   <a:solidFill>
                     <a:srgbClr val="000000"/>
                   </a:solidFill>
@@ -2521,7 +2520,7 @@
             </a:ln>
             <a:extLst>
               <a:ext uri="{91240B29-F687-4f45-9708-019B960494DF}">
-                <a14:hiddenLine xmlns:a14="http://schemas.microsoft.com/office/drawing/2010/main" xmlns="" w="9525">
+                <a14:hiddenLine xmlns="" xmlns:a14="http://schemas.microsoft.com/office/drawing/2010/main" w="9525">
                   <a:solidFill>
                     <a:srgbClr val="000000"/>
                   </a:solidFill>
@@ -2583,7 +2582,7 @@
             </a:ln>
             <a:extLst>
               <a:ext uri="{91240B29-F687-4f45-9708-019B960494DF}">
-                <a14:hiddenLine xmlns:a14="http://schemas.microsoft.com/office/drawing/2010/main" xmlns="" w="9525">
+                <a14:hiddenLine xmlns="" xmlns:a14="http://schemas.microsoft.com/office/drawing/2010/main" w="9525">
                   <a:solidFill>
                     <a:srgbClr val="000000"/>
                   </a:solidFill>
@@ -2673,7 +2672,7 @@
             </a:ln>
             <a:extLst>
               <a:ext uri="{91240B29-F687-4f45-9708-019B960494DF}">
-                <a14:hiddenLine xmlns:a14="http://schemas.microsoft.com/office/drawing/2010/main" xmlns="" w="9525">
+                <a14:hiddenLine xmlns="" xmlns:a14="http://schemas.microsoft.com/office/drawing/2010/main" w="9525">
                   <a:solidFill>
                     <a:srgbClr val="000000"/>
                   </a:solidFill>
@@ -2741,7 +2740,7 @@
             </a:ln>
             <a:extLst>
               <a:ext uri="{91240B29-F687-4f45-9708-019B960494DF}">
-                <a14:hiddenLine xmlns:a14="http://schemas.microsoft.com/office/drawing/2010/main" xmlns="" w="9525">
+                <a14:hiddenLine xmlns="" xmlns:a14="http://schemas.microsoft.com/office/drawing/2010/main" w="9525">
                   <a:solidFill>
                     <a:srgbClr val="000000"/>
                   </a:solidFill>
@@ -2803,7 +2802,7 @@
             </a:ln>
             <a:extLst>
               <a:ext uri="{91240B29-F687-4f45-9708-019B960494DF}">
-                <a14:hiddenLine xmlns:a14="http://schemas.microsoft.com/office/drawing/2010/main" xmlns="" w="9525">
+                <a14:hiddenLine xmlns="" xmlns:a14="http://schemas.microsoft.com/office/drawing/2010/main" w="9525">
                   <a:solidFill>
                     <a:srgbClr val="000000"/>
                   </a:solidFill>
@@ -2893,7 +2892,7 @@
             </a:ln>
             <a:extLst>
               <a:ext uri="{91240B29-F687-4f45-9708-019B960494DF}">
-                <a14:hiddenLine xmlns:a14="http://schemas.microsoft.com/office/drawing/2010/main" xmlns="" w="9525">
+                <a14:hiddenLine xmlns="" xmlns:a14="http://schemas.microsoft.com/office/drawing/2010/main" w="9525">
                   <a:solidFill>
                     <a:srgbClr val="000000"/>
                   </a:solidFill>
@@ -2955,7 +2954,7 @@
             </a:ln>
             <a:extLst>
               <a:ext uri="{91240B29-F687-4f45-9708-019B960494DF}">
-                <a14:hiddenLine xmlns:a14="http://schemas.microsoft.com/office/drawing/2010/main" xmlns="" w="9525">
+                <a14:hiddenLine xmlns="" xmlns:a14="http://schemas.microsoft.com/office/drawing/2010/main" w="9525">
                   <a:solidFill>
                     <a:srgbClr val="000000"/>
                   </a:solidFill>
@@ -3045,7 +3044,7 @@
             </a:ln>
             <a:extLst>
               <a:ext uri="{91240B29-F687-4f45-9708-019B960494DF}">
-                <a14:hiddenLine xmlns:a14="http://schemas.microsoft.com/office/drawing/2010/main" xmlns="" w="9525">
+                <a14:hiddenLine xmlns="" xmlns:a14="http://schemas.microsoft.com/office/drawing/2010/main" w="9525">
                   <a:solidFill>
                     <a:srgbClr val="000000"/>
                   </a:solidFill>
@@ -3107,7 +3106,7 @@
             </a:ln>
             <a:extLst>
               <a:ext uri="{91240B29-F687-4f45-9708-019B960494DF}">
-                <a14:hiddenLine xmlns:a14="http://schemas.microsoft.com/office/drawing/2010/main" xmlns="" w="9525">
+                <a14:hiddenLine xmlns="" xmlns:a14="http://schemas.microsoft.com/office/drawing/2010/main" w="9525">
                   <a:solidFill>
                     <a:srgbClr val="000000"/>
                   </a:solidFill>
@@ -3197,7 +3196,7 @@
             </a:ln>
             <a:extLst>
               <a:ext uri="{91240B29-F687-4f45-9708-019B960494DF}">
-                <a14:hiddenLine xmlns:a14="http://schemas.microsoft.com/office/drawing/2010/main" xmlns="" w="9525">
+                <a14:hiddenLine xmlns="" xmlns:a14="http://schemas.microsoft.com/office/drawing/2010/main" w="9525">
                   <a:solidFill>
                     <a:srgbClr val="000000"/>
                   </a:solidFill>
@@ -3231,7 +3230,7 @@
             </a:ln>
             <a:extLst>
               <a:ext uri="{91240B29-F687-4f45-9708-019B960494DF}">
-                <a14:hiddenLine xmlns:a14="http://schemas.microsoft.com/office/drawing/2010/main" xmlns="" w="9525">
+                <a14:hiddenLine xmlns="" xmlns:a14="http://schemas.microsoft.com/office/drawing/2010/main" w="9525">
                   <a:solidFill>
                     <a:srgbClr val="000000"/>
                   </a:solidFill>
@@ -3296,7 +3295,7 @@
             </a:ln>
             <a:extLst>
               <a:ext uri="{91240B29-F687-4f45-9708-019B960494DF}">
-                <a14:hiddenLine xmlns:a14="http://schemas.microsoft.com/office/drawing/2010/main" xmlns="" w="9525">
+                <a14:hiddenLine xmlns="" xmlns:a14="http://schemas.microsoft.com/office/drawing/2010/main" w="9525">
                   <a:solidFill>
                     <a:srgbClr val="000000"/>
                   </a:solidFill>
@@ -3386,7 +3385,7 @@
             </a:ln>
             <a:extLst>
               <a:ext uri="{91240B29-F687-4f45-9708-019B960494DF}">
-                <a14:hiddenLine xmlns:a14="http://schemas.microsoft.com/office/drawing/2010/main" xmlns="" w="9525">
+                <a14:hiddenLine xmlns="" xmlns:a14="http://schemas.microsoft.com/office/drawing/2010/main" w="9525">
                   <a:solidFill>
                     <a:srgbClr val="000000"/>
                   </a:solidFill>
@@ -3448,7 +3447,7 @@
             </a:ln>
             <a:extLst>
               <a:ext uri="{91240B29-F687-4f45-9708-019B960494DF}">
-                <a14:hiddenLine xmlns:a14="http://schemas.microsoft.com/office/drawing/2010/main" xmlns="" w="9525">
+                <a14:hiddenLine xmlns="" xmlns:a14="http://schemas.microsoft.com/office/drawing/2010/main" w="9525">
                   <a:solidFill>
                     <a:srgbClr val="000000"/>
                   </a:solidFill>
@@ -3538,7 +3537,7 @@
             </a:ln>
             <a:extLst>
               <a:ext uri="{91240B29-F687-4f45-9708-019B960494DF}">
-                <a14:hiddenLine xmlns:a14="http://schemas.microsoft.com/office/drawing/2010/main" xmlns="" w="9525">
+                <a14:hiddenLine xmlns="" xmlns:a14="http://schemas.microsoft.com/office/drawing/2010/main" w="9525">
                   <a:solidFill>
                     <a:srgbClr val="000000"/>
                   </a:solidFill>
@@ -3628,7 +3627,7 @@
             </a:ln>
             <a:extLst>
               <a:ext uri="{91240B29-F687-4f45-9708-019B960494DF}">
-                <a14:hiddenLine xmlns:a14="http://schemas.microsoft.com/office/drawing/2010/main" xmlns="" w="9525">
+                <a14:hiddenLine xmlns="" xmlns:a14="http://schemas.microsoft.com/office/drawing/2010/main" w="9525">
                   <a:solidFill>
                     <a:srgbClr val="000000"/>
                   </a:solidFill>
@@ -3693,7 +3692,7 @@
             </a:ln>
             <a:extLst>
               <a:ext uri="{91240B29-F687-4f45-9708-019B960494DF}">
-                <a14:hiddenLine xmlns:a14="http://schemas.microsoft.com/office/drawing/2010/main" xmlns="" w="9525">
+                <a14:hiddenLine xmlns="" xmlns:a14="http://schemas.microsoft.com/office/drawing/2010/main" w="9525">
                   <a:solidFill>
                     <a:srgbClr val="000000"/>
                   </a:solidFill>
@@ -3755,7 +3754,7 @@
             </a:ln>
             <a:extLst>
               <a:ext uri="{91240B29-F687-4f45-9708-019B960494DF}">
-                <a14:hiddenLine xmlns:a14="http://schemas.microsoft.com/office/drawing/2010/main" xmlns="" w="9525">
+                <a14:hiddenLine xmlns="" xmlns:a14="http://schemas.microsoft.com/office/drawing/2010/main" w="9525">
                   <a:solidFill>
                     <a:srgbClr val="000000"/>
                   </a:solidFill>
@@ -3845,7 +3844,7 @@
             </a:ln>
             <a:extLst>
               <a:ext uri="{91240B29-F687-4f45-9708-019B960494DF}">
-                <a14:hiddenLine xmlns:a14="http://schemas.microsoft.com/office/drawing/2010/main" xmlns="" w="9525">
+                <a14:hiddenLine xmlns="" xmlns:a14="http://schemas.microsoft.com/office/drawing/2010/main" w="9525">
                   <a:solidFill>
                     <a:srgbClr val="000000"/>
                   </a:solidFill>
@@ -3935,7 +3934,7 @@
             </a:ln>
             <a:extLst>
               <a:ext uri="{91240B29-F687-4f45-9708-019B960494DF}">
-                <a14:hiddenLine xmlns:a14="http://schemas.microsoft.com/office/drawing/2010/main" xmlns="" w="9525">
+                <a14:hiddenLine xmlns="" xmlns:a14="http://schemas.microsoft.com/office/drawing/2010/main" w="9525">
                   <a:solidFill>
                     <a:srgbClr val="000000"/>
                   </a:solidFill>
@@ -3997,7 +3996,7 @@
             </a:ln>
             <a:extLst>
               <a:ext uri="{91240B29-F687-4f45-9708-019B960494DF}">
-                <a14:hiddenLine xmlns:a14="http://schemas.microsoft.com/office/drawing/2010/main" xmlns="" w="9525">
+                <a14:hiddenLine xmlns="" xmlns:a14="http://schemas.microsoft.com/office/drawing/2010/main" w="9525">
                   <a:solidFill>
                     <a:srgbClr val="000000"/>
                   </a:solidFill>
@@ -4117,7 +4116,7 @@
             </a:ln>
             <a:extLst>
               <a:ext uri="{91240B29-F687-4f45-9708-019B960494DF}">
-                <a14:hiddenLine xmlns:a14="http://schemas.microsoft.com/office/drawing/2010/main" xmlns="" w="9525">
+                <a14:hiddenLine xmlns="" xmlns:a14="http://schemas.microsoft.com/office/drawing/2010/main" w="9525">
                   <a:solidFill>
                     <a:srgbClr val="000000"/>
                   </a:solidFill>
@@ -4185,7 +4184,7 @@
             </a:ln>
             <a:extLst>
               <a:ext uri="{91240B29-F687-4f45-9708-019B960494DF}">
-                <a14:hiddenLine xmlns:a14="http://schemas.microsoft.com/office/drawing/2010/main" xmlns="" w="9525">
+                <a14:hiddenLine xmlns="" xmlns:a14="http://schemas.microsoft.com/office/drawing/2010/main" w="9525">
                   <a:solidFill>
                     <a:srgbClr val="000000"/>
                   </a:solidFill>
@@ -4275,7 +4274,7 @@
             </a:ln>
             <a:extLst>
               <a:ext uri="{91240B29-F687-4f45-9708-019B960494DF}">
-                <a14:hiddenLine xmlns:a14="http://schemas.microsoft.com/office/drawing/2010/main" xmlns="" w="9525">
+                <a14:hiddenLine xmlns="" xmlns:a14="http://schemas.microsoft.com/office/drawing/2010/main" w="9525">
                   <a:solidFill>
                     <a:srgbClr val="000000"/>
                   </a:solidFill>
@@ -4415,7 +4414,7 @@
           <a:p>
             <a:fld id="{5A6AD6F5-8CA2-456E-A314-DF5E6FC9E15E}" type="datetimeFigureOut">
               <a:rPr lang="pt-BR" smtClean="0"/>
-              <a:t>08/03/2021</a:t>
+              <a:t>16/03/2021</a:t>
             </a:fld>
             <a:endParaRPr lang="pt-BR"/>
           </a:p>
@@ -4685,7 +4684,7 @@
           <a:p>
             <a:fld id="{5A6AD6F5-8CA2-456E-A314-DF5E6FC9E15E}" type="datetimeFigureOut">
               <a:rPr lang="pt-BR" smtClean="0"/>
-              <a:t>08/03/2021</a:t>
+              <a:t>16/03/2021</a:t>
             </a:fld>
             <a:endParaRPr lang="pt-BR"/>
           </a:p>
@@ -4884,7 +4883,7 @@
           <a:p>
             <a:fld id="{5A6AD6F5-8CA2-456E-A314-DF5E6FC9E15E}" type="datetimeFigureOut">
               <a:rPr lang="pt-BR" smtClean="0"/>
-              <a:t>08/03/2021</a:t>
+              <a:t>16/03/2021</a:t>
             </a:fld>
             <a:endParaRPr lang="pt-BR"/>
           </a:p>
@@ -5150,7 +5149,7 @@
           <a:p>
             <a:fld id="{5A6AD6F5-8CA2-456E-A314-DF5E6FC9E15E}" type="datetimeFigureOut">
               <a:rPr lang="pt-BR" smtClean="0"/>
-              <a:t>08/03/2021</a:t>
+              <a:t>16/03/2021</a:t>
             </a:fld>
             <a:endParaRPr lang="pt-BR"/>
           </a:p>
@@ -5587,7 +5586,7 @@
           <a:p>
             <a:fld id="{5A6AD6F5-8CA2-456E-A314-DF5E6FC9E15E}" type="datetimeFigureOut">
               <a:rPr lang="pt-BR" smtClean="0"/>
-              <a:t>08/03/2021</a:t>
+              <a:t>16/03/2021</a:t>
             </a:fld>
             <a:endParaRPr lang="pt-BR"/>
           </a:p>
@@ -6136,7 +6135,7 @@
           <a:p>
             <a:fld id="{5A6AD6F5-8CA2-456E-A314-DF5E6FC9E15E}" type="datetimeFigureOut">
               <a:rPr lang="pt-BR" smtClean="0"/>
-              <a:t>08/03/2021</a:t>
+              <a:t>16/03/2021</a:t>
             </a:fld>
             <a:endParaRPr lang="pt-BR"/>
           </a:p>
@@ -6859,7 +6858,7 @@
           <a:p>
             <a:fld id="{5A6AD6F5-8CA2-456E-A314-DF5E6FC9E15E}" type="datetimeFigureOut">
               <a:rPr lang="pt-BR" smtClean="0"/>
-              <a:t>08/03/2021</a:t>
+              <a:t>16/03/2021</a:t>
             </a:fld>
             <a:endParaRPr lang="pt-BR"/>
           </a:p>
@@ -7032,7 +7031,7 @@
           <a:p>
             <a:fld id="{5A6AD6F5-8CA2-456E-A314-DF5E6FC9E15E}" type="datetimeFigureOut">
               <a:rPr lang="pt-BR" smtClean="0"/>
-              <a:t>08/03/2021</a:t>
+              <a:t>16/03/2021</a:t>
             </a:fld>
             <a:endParaRPr lang="pt-BR"/>
           </a:p>
@@ -7215,7 +7214,7 @@
           <a:p>
             <a:fld id="{5A6AD6F5-8CA2-456E-A314-DF5E6FC9E15E}" type="datetimeFigureOut">
               <a:rPr lang="pt-BR" smtClean="0"/>
-              <a:t>08/03/2021</a:t>
+              <a:t>16/03/2021</a:t>
             </a:fld>
             <a:endParaRPr lang="pt-BR"/>
           </a:p>
@@ -7388,7 +7387,7 @@
           <a:p>
             <a:fld id="{5A6AD6F5-8CA2-456E-A314-DF5E6FC9E15E}" type="datetimeFigureOut">
               <a:rPr lang="pt-BR" smtClean="0"/>
-              <a:t>08/03/2021</a:t>
+              <a:t>16/03/2021</a:t>
             </a:fld>
             <a:endParaRPr lang="pt-BR"/>
           </a:p>
@@ -7641,7 +7640,7 @@
           <a:p>
             <a:fld id="{5A6AD6F5-8CA2-456E-A314-DF5E6FC9E15E}" type="datetimeFigureOut">
               <a:rPr lang="pt-BR" smtClean="0"/>
-              <a:t>08/03/2021</a:t>
+              <a:t>16/03/2021</a:t>
             </a:fld>
             <a:endParaRPr lang="pt-BR"/>
           </a:p>
@@ -7876,7 +7875,7 @@
           <a:p>
             <a:fld id="{5A6AD6F5-8CA2-456E-A314-DF5E6FC9E15E}" type="datetimeFigureOut">
               <a:rPr lang="pt-BR" smtClean="0"/>
-              <a:t>08/03/2021</a:t>
+              <a:t>16/03/2021</a:t>
             </a:fld>
             <a:endParaRPr lang="pt-BR"/>
           </a:p>
@@ -8260,7 +8259,7 @@
           <a:p>
             <a:fld id="{5A6AD6F5-8CA2-456E-A314-DF5E6FC9E15E}" type="datetimeFigureOut">
               <a:rPr lang="pt-BR" smtClean="0"/>
-              <a:t>08/03/2021</a:t>
+              <a:t>16/03/2021</a:t>
             </a:fld>
             <a:endParaRPr lang="pt-BR"/>
           </a:p>
@@ -8381,7 +8380,7 @@
           <a:p>
             <a:fld id="{5A6AD6F5-8CA2-456E-A314-DF5E6FC9E15E}" type="datetimeFigureOut">
               <a:rPr lang="pt-BR" smtClean="0"/>
-              <a:t>08/03/2021</a:t>
+              <a:t>16/03/2021</a:t>
             </a:fld>
             <a:endParaRPr lang="pt-BR"/>
           </a:p>
@@ -8479,7 +8478,7 @@
           <a:p>
             <a:fld id="{5A6AD6F5-8CA2-456E-A314-DF5E6FC9E15E}" type="datetimeFigureOut">
               <a:rPr lang="pt-BR" smtClean="0"/>
-              <a:t>08/03/2021</a:t>
+              <a:t>16/03/2021</a:t>
             </a:fld>
             <a:endParaRPr lang="pt-BR"/>
           </a:p>
@@ -8731,7 +8730,7 @@
           <a:p>
             <a:fld id="{5A6AD6F5-8CA2-456E-A314-DF5E6FC9E15E}" type="datetimeFigureOut">
               <a:rPr lang="pt-BR" smtClean="0"/>
-              <a:t>08/03/2021</a:t>
+              <a:t>16/03/2021</a:t>
             </a:fld>
             <a:endParaRPr lang="pt-BR"/>
           </a:p>
@@ -9014,7 +9013,7 @@
           <a:p>
             <a:fld id="{5A6AD6F5-8CA2-456E-A314-DF5E6FC9E15E}" type="datetimeFigureOut">
               <a:rPr lang="pt-BR" smtClean="0"/>
-              <a:t>08/03/2021</a:t>
+              <a:t>16/03/2021</a:t>
             </a:fld>
             <a:endParaRPr lang="pt-BR"/>
           </a:p>
@@ -9133,7 +9132,7 @@
           <a:noFill/>
           <a:extLst>
             <a:ext uri="{909E8E84-426E-40dd-AFC4-6F175D3DCCD1}">
-              <a14:hiddenFill xmlns:a14="http://schemas.microsoft.com/office/drawing/2010/main" xmlns="">
+              <a14:hiddenFill xmlns="" xmlns:a14="http://schemas.microsoft.com/office/drawing/2010/main">
                 <a:solidFill>
                   <a:srgbClr val="FFFFFF"/>
                 </a:solidFill>
@@ -9207,7 +9206,7 @@
               </a:ln>
               <a:extLst>
                 <a:ext uri="{91240B29-F687-4f45-9708-019B960494DF}">
-                  <a14:hiddenLine xmlns:a14="http://schemas.microsoft.com/office/drawing/2010/main" xmlns="" w="9525">
+                  <a14:hiddenLine xmlns="" xmlns:a14="http://schemas.microsoft.com/office/drawing/2010/main" w="9525">
                     <a:solidFill>
                       <a:srgbClr val="000000"/>
                     </a:solidFill>
@@ -9297,7 +9296,7 @@
               </a:ln>
               <a:extLst>
                 <a:ext uri="{91240B29-F687-4f45-9708-019B960494DF}">
-                  <a14:hiddenLine xmlns:a14="http://schemas.microsoft.com/office/drawing/2010/main" xmlns="" w="9525">
+                  <a14:hiddenLine xmlns="" xmlns:a14="http://schemas.microsoft.com/office/drawing/2010/main" w="9525">
                     <a:solidFill>
                       <a:srgbClr val="000000"/>
                     </a:solidFill>
@@ -9387,7 +9386,7 @@
               </a:ln>
               <a:extLst>
                 <a:ext uri="{91240B29-F687-4f45-9708-019B960494DF}">
-                  <a14:hiddenLine xmlns:a14="http://schemas.microsoft.com/office/drawing/2010/main" xmlns="" w="9525">
+                  <a14:hiddenLine xmlns="" xmlns:a14="http://schemas.microsoft.com/office/drawing/2010/main" w="9525">
                     <a:solidFill>
                       <a:srgbClr val="000000"/>
                     </a:solidFill>
@@ -9449,7 +9448,7 @@
               </a:ln>
               <a:extLst>
                 <a:ext uri="{91240B29-F687-4f45-9708-019B960494DF}">
-                  <a14:hiddenLine xmlns:a14="http://schemas.microsoft.com/office/drawing/2010/main" xmlns="" w="9525">
+                  <a14:hiddenLine xmlns="" xmlns:a14="http://schemas.microsoft.com/office/drawing/2010/main" w="9525">
                     <a:solidFill>
                       <a:srgbClr val="000000"/>
                     </a:solidFill>
@@ -9539,7 +9538,7 @@
               </a:ln>
               <a:extLst>
                 <a:ext uri="{91240B29-F687-4f45-9708-019B960494DF}">
-                  <a14:hiddenLine xmlns:a14="http://schemas.microsoft.com/office/drawing/2010/main" xmlns="" w="9525">
+                  <a14:hiddenLine xmlns="" xmlns:a14="http://schemas.microsoft.com/office/drawing/2010/main" w="9525">
                     <a:solidFill>
                       <a:srgbClr val="000000"/>
                     </a:solidFill>
@@ -9601,7 +9600,7 @@
               </a:ln>
               <a:extLst>
                 <a:ext uri="{91240B29-F687-4f45-9708-019B960494DF}">
-                  <a14:hiddenLine xmlns:a14="http://schemas.microsoft.com/office/drawing/2010/main" xmlns="" w="9525">
+                  <a14:hiddenLine xmlns="" xmlns:a14="http://schemas.microsoft.com/office/drawing/2010/main" w="9525">
                     <a:solidFill>
                       <a:srgbClr val="000000"/>
                     </a:solidFill>
@@ -9663,7 +9662,7 @@
               </a:ln>
               <a:extLst>
                 <a:ext uri="{91240B29-F687-4f45-9708-019B960494DF}">
-                  <a14:hiddenLine xmlns:a14="http://schemas.microsoft.com/office/drawing/2010/main" xmlns="" w="9525">
+                  <a14:hiddenLine xmlns="" xmlns:a14="http://schemas.microsoft.com/office/drawing/2010/main" w="9525">
                     <a:solidFill>
                       <a:srgbClr val="000000"/>
                     </a:solidFill>
@@ -9753,7 +9752,7 @@
               </a:ln>
               <a:extLst>
                 <a:ext uri="{91240B29-F687-4f45-9708-019B960494DF}">
-                  <a14:hiddenLine xmlns:a14="http://schemas.microsoft.com/office/drawing/2010/main" xmlns="" w="9525">
+                  <a14:hiddenLine xmlns="" xmlns:a14="http://schemas.microsoft.com/office/drawing/2010/main" w="9525">
                     <a:solidFill>
                       <a:srgbClr val="000000"/>
                     </a:solidFill>
@@ -9843,7 +9842,7 @@
               </a:ln>
               <a:extLst>
                 <a:ext uri="{91240B29-F687-4f45-9708-019B960494DF}">
-                  <a14:hiddenLine xmlns:a14="http://schemas.microsoft.com/office/drawing/2010/main" xmlns="" w="9525">
+                  <a14:hiddenLine xmlns="" xmlns:a14="http://schemas.microsoft.com/office/drawing/2010/main" w="9525">
                     <a:solidFill>
                       <a:srgbClr val="000000"/>
                     </a:solidFill>
@@ -9905,7 +9904,7 @@
               </a:ln>
               <a:extLst>
                 <a:ext uri="{91240B29-F687-4f45-9708-019B960494DF}">
-                  <a14:hiddenLine xmlns:a14="http://schemas.microsoft.com/office/drawing/2010/main" xmlns="" w="9525">
+                  <a14:hiddenLine xmlns="" xmlns:a14="http://schemas.microsoft.com/office/drawing/2010/main" w="9525">
                     <a:solidFill>
                       <a:srgbClr val="000000"/>
                     </a:solidFill>
@@ -10015,7 +10014,7 @@
               </a:ln>
               <a:extLst>
                 <a:ext uri="{91240B29-F687-4f45-9708-019B960494DF}">
-                  <a14:hiddenLine xmlns:a14="http://schemas.microsoft.com/office/drawing/2010/main" xmlns="" w="9525">
+                  <a14:hiddenLine xmlns="" xmlns:a14="http://schemas.microsoft.com/office/drawing/2010/main" w="9525">
                     <a:solidFill>
                       <a:srgbClr val="000000"/>
                     </a:solidFill>
@@ -10099,7 +10098,7 @@
               </a:ln>
               <a:extLst>
                 <a:ext uri="{91240B29-F687-4f45-9708-019B960494DF}">
-                  <a14:hiddenLine xmlns:a14="http://schemas.microsoft.com/office/drawing/2010/main" xmlns="" w="9525">
+                  <a14:hiddenLine xmlns="" xmlns:a14="http://schemas.microsoft.com/office/drawing/2010/main" w="9525">
                     <a:solidFill>
                       <a:srgbClr val="000000"/>
                     </a:solidFill>
@@ -10161,7 +10160,7 @@
               </a:ln>
               <a:extLst>
                 <a:ext uri="{91240B29-F687-4f45-9708-019B960494DF}">
-                  <a14:hiddenLine xmlns:a14="http://schemas.microsoft.com/office/drawing/2010/main" xmlns="" w="9525">
+                  <a14:hiddenLine xmlns="" xmlns:a14="http://schemas.microsoft.com/office/drawing/2010/main" w="9525">
                     <a:solidFill>
                       <a:srgbClr val="000000"/>
                     </a:solidFill>
@@ -10223,7 +10222,7 @@
               </a:ln>
               <a:extLst>
                 <a:ext uri="{91240B29-F687-4f45-9708-019B960494DF}">
-                  <a14:hiddenLine xmlns:a14="http://schemas.microsoft.com/office/drawing/2010/main" xmlns="" w="9525">
+                  <a14:hiddenLine xmlns="" xmlns:a14="http://schemas.microsoft.com/office/drawing/2010/main" w="9525">
                     <a:solidFill>
                       <a:srgbClr val="000000"/>
                     </a:solidFill>
@@ -10313,7 +10312,7 @@
               </a:ln>
               <a:extLst>
                 <a:ext uri="{91240B29-F687-4f45-9708-019B960494DF}">
-                  <a14:hiddenLine xmlns:a14="http://schemas.microsoft.com/office/drawing/2010/main" xmlns="" w="9525">
+                  <a14:hiddenLine xmlns="" xmlns:a14="http://schemas.microsoft.com/office/drawing/2010/main" w="9525">
                     <a:solidFill>
                       <a:srgbClr val="000000"/>
                     </a:solidFill>
@@ -10347,7 +10346,7 @@
               </a:ln>
               <a:extLst>
                 <a:ext uri="{91240B29-F687-4f45-9708-019B960494DF}">
-                  <a14:hiddenLine xmlns:a14="http://schemas.microsoft.com/office/drawing/2010/main" xmlns="" w="9525">
+                  <a14:hiddenLine xmlns="" xmlns:a14="http://schemas.microsoft.com/office/drawing/2010/main" w="9525">
                     <a:solidFill>
                       <a:srgbClr val="000000"/>
                     </a:solidFill>
@@ -10412,7 +10411,7 @@
               </a:ln>
               <a:extLst>
                 <a:ext uri="{91240B29-F687-4f45-9708-019B960494DF}">
-                  <a14:hiddenLine xmlns:a14="http://schemas.microsoft.com/office/drawing/2010/main" xmlns="" w="9525">
+                  <a14:hiddenLine xmlns="" xmlns:a14="http://schemas.microsoft.com/office/drawing/2010/main" w="9525">
                     <a:solidFill>
                       <a:srgbClr val="000000"/>
                     </a:solidFill>
@@ -10502,7 +10501,7 @@
               </a:ln>
               <a:extLst>
                 <a:ext uri="{91240B29-F687-4f45-9708-019B960494DF}">
-                  <a14:hiddenLine xmlns:a14="http://schemas.microsoft.com/office/drawing/2010/main" xmlns="" w="9525">
+                  <a14:hiddenLine xmlns="" xmlns:a14="http://schemas.microsoft.com/office/drawing/2010/main" w="9525">
                     <a:solidFill>
                       <a:srgbClr val="000000"/>
                     </a:solidFill>
@@ -10564,7 +10563,7 @@
               </a:ln>
               <a:extLst>
                 <a:ext uri="{91240B29-F687-4f45-9708-019B960494DF}">
-                  <a14:hiddenLine xmlns:a14="http://schemas.microsoft.com/office/drawing/2010/main" xmlns="" w="9525">
+                  <a14:hiddenLine xmlns="" xmlns:a14="http://schemas.microsoft.com/office/drawing/2010/main" w="9525">
                     <a:solidFill>
                       <a:srgbClr val="000000"/>
                     </a:solidFill>
@@ -10654,7 +10653,7 @@
               </a:ln>
               <a:extLst>
                 <a:ext uri="{91240B29-F687-4f45-9708-019B960494DF}">
-                  <a14:hiddenLine xmlns:a14="http://schemas.microsoft.com/office/drawing/2010/main" xmlns="" w="9525">
+                  <a14:hiddenLine xmlns="" xmlns:a14="http://schemas.microsoft.com/office/drawing/2010/main" w="9525">
                     <a:solidFill>
                       <a:srgbClr val="000000"/>
                     </a:solidFill>
@@ -10719,7 +10718,7 @@
               </a:ln>
               <a:extLst>
                 <a:ext uri="{91240B29-F687-4f45-9708-019B960494DF}">
-                  <a14:hiddenLine xmlns:a14="http://schemas.microsoft.com/office/drawing/2010/main" xmlns="" w="9525">
+                  <a14:hiddenLine xmlns="" xmlns:a14="http://schemas.microsoft.com/office/drawing/2010/main" w="9525">
                     <a:solidFill>
                       <a:srgbClr val="000000"/>
                     </a:solidFill>
@@ -10781,7 +10780,7 @@
               </a:ln>
               <a:extLst>
                 <a:ext uri="{91240B29-F687-4f45-9708-019B960494DF}">
-                  <a14:hiddenLine xmlns:a14="http://schemas.microsoft.com/office/drawing/2010/main" xmlns="" w="9525">
+                  <a14:hiddenLine xmlns="" xmlns:a14="http://schemas.microsoft.com/office/drawing/2010/main" w="9525">
                     <a:solidFill>
                       <a:srgbClr val="000000"/>
                     </a:solidFill>
@@ -10871,7 +10870,7 @@
               </a:ln>
               <a:extLst>
                 <a:ext uri="{91240B29-F687-4f45-9708-019B960494DF}">
-                  <a14:hiddenLine xmlns:a14="http://schemas.microsoft.com/office/drawing/2010/main" xmlns="" w="9525">
+                  <a14:hiddenLine xmlns="" xmlns:a14="http://schemas.microsoft.com/office/drawing/2010/main" w="9525">
                     <a:solidFill>
                       <a:srgbClr val="000000"/>
                     </a:solidFill>
@@ -10961,7 +10960,7 @@
               </a:ln>
               <a:extLst>
                 <a:ext uri="{91240B29-F687-4f45-9708-019B960494DF}">
-                  <a14:hiddenLine xmlns:a14="http://schemas.microsoft.com/office/drawing/2010/main" xmlns="" w="9525">
+                  <a14:hiddenLine xmlns="" xmlns:a14="http://schemas.microsoft.com/office/drawing/2010/main" w="9525">
                     <a:solidFill>
                       <a:srgbClr val="000000"/>
                     </a:solidFill>
@@ -11026,7 +11025,7 @@
               </a:ln>
               <a:extLst>
                 <a:ext uri="{91240B29-F687-4f45-9708-019B960494DF}">
-                  <a14:hiddenLine xmlns:a14="http://schemas.microsoft.com/office/drawing/2010/main" xmlns="" w="9525">
+                  <a14:hiddenLine xmlns="" xmlns:a14="http://schemas.microsoft.com/office/drawing/2010/main" w="9525">
                     <a:solidFill>
                       <a:srgbClr val="000000"/>
                     </a:solidFill>
@@ -11146,7 +11145,7 @@
               </a:ln>
               <a:extLst>
                 <a:ext uri="{91240B29-F687-4f45-9708-019B960494DF}">
-                  <a14:hiddenLine xmlns:a14="http://schemas.microsoft.com/office/drawing/2010/main" xmlns="" w="9525">
+                  <a14:hiddenLine xmlns="" xmlns:a14="http://schemas.microsoft.com/office/drawing/2010/main" w="9525">
                     <a:solidFill>
                       <a:srgbClr val="000000"/>
                     </a:solidFill>
@@ -11244,7 +11243,7 @@
               </a:ln>
               <a:extLst>
                 <a:ext uri="{91240B29-F687-4f45-9708-019B960494DF}">
-                  <a14:hiddenLine xmlns:a14="http://schemas.microsoft.com/office/drawing/2010/main" xmlns="" w="9525">
+                  <a14:hiddenLine xmlns="" xmlns:a14="http://schemas.microsoft.com/office/drawing/2010/main" w="9525">
                     <a:solidFill>
                       <a:srgbClr val="000000"/>
                     </a:solidFill>
@@ -11359,7 +11358,7 @@
               </a:ln>
               <a:extLst>
                 <a:ext uri="{91240B29-F687-4f45-9708-019B960494DF}">
-                  <a14:hiddenLine xmlns:a14="http://schemas.microsoft.com/office/drawing/2010/main" xmlns="" w="9525">
+                  <a14:hiddenLine xmlns="" xmlns:a14="http://schemas.microsoft.com/office/drawing/2010/main" w="9525">
                     <a:solidFill>
                       <a:srgbClr val="000000"/>
                     </a:solidFill>
@@ -11449,7 +11448,7 @@
               </a:ln>
               <a:extLst>
                 <a:ext uri="{91240B29-F687-4f45-9708-019B960494DF}">
-                  <a14:hiddenLine xmlns:a14="http://schemas.microsoft.com/office/drawing/2010/main" xmlns="" w="9525">
+                  <a14:hiddenLine xmlns="" xmlns:a14="http://schemas.microsoft.com/office/drawing/2010/main" w="9525">
                     <a:solidFill>
                       <a:srgbClr val="000000"/>
                     </a:solidFill>
@@ -11514,7 +11513,7 @@
               </a:ln>
               <a:extLst>
                 <a:ext uri="{91240B29-F687-4f45-9708-019B960494DF}">
-                  <a14:hiddenLine xmlns:a14="http://schemas.microsoft.com/office/drawing/2010/main" xmlns="" w="9525">
+                  <a14:hiddenLine xmlns="" xmlns:a14="http://schemas.microsoft.com/office/drawing/2010/main" w="9525">
                     <a:solidFill>
                       <a:srgbClr val="000000"/>
                     </a:solidFill>
@@ -11604,7 +11603,7 @@
               </a:ln>
               <a:extLst>
                 <a:ext uri="{91240B29-F687-4f45-9708-019B960494DF}">
-                  <a14:hiddenLine xmlns:a14="http://schemas.microsoft.com/office/drawing/2010/main" xmlns="" w="9525">
+                  <a14:hiddenLine xmlns="" xmlns:a14="http://schemas.microsoft.com/office/drawing/2010/main" w="9525">
                     <a:solidFill>
                       <a:srgbClr val="000000"/>
                     </a:solidFill>
@@ -11672,7 +11671,7 @@
               </a:ln>
               <a:extLst>
                 <a:ext uri="{91240B29-F687-4f45-9708-019B960494DF}">
-                  <a14:hiddenLine xmlns:a14="http://schemas.microsoft.com/office/drawing/2010/main" xmlns="" w="9525">
+                  <a14:hiddenLine xmlns="" xmlns:a14="http://schemas.microsoft.com/office/drawing/2010/main" w="9525">
                     <a:solidFill>
                       <a:srgbClr val="000000"/>
                     </a:solidFill>
@@ -11762,7 +11761,7 @@
               </a:ln>
               <a:extLst>
                 <a:ext uri="{91240B29-F687-4f45-9708-019B960494DF}">
-                  <a14:hiddenLine xmlns:a14="http://schemas.microsoft.com/office/drawing/2010/main" xmlns="" w="9525">
+                  <a14:hiddenLine xmlns="" xmlns:a14="http://schemas.microsoft.com/office/drawing/2010/main" w="9525">
                     <a:solidFill>
                       <a:srgbClr val="000000"/>
                     </a:solidFill>
@@ -11830,7 +11829,7 @@
               </a:ln>
               <a:extLst>
                 <a:ext uri="{91240B29-F687-4f45-9708-019B960494DF}">
-                  <a14:hiddenLine xmlns:a14="http://schemas.microsoft.com/office/drawing/2010/main" xmlns="" w="9525">
+                  <a14:hiddenLine xmlns="" xmlns:a14="http://schemas.microsoft.com/office/drawing/2010/main" w="9525">
                     <a:solidFill>
                       <a:srgbClr val="000000"/>
                     </a:solidFill>
@@ -11920,7 +11919,7 @@
               </a:ln>
               <a:extLst>
                 <a:ext uri="{91240B29-F687-4f45-9708-019B960494DF}">
-                  <a14:hiddenLine xmlns:a14="http://schemas.microsoft.com/office/drawing/2010/main" xmlns="" w="9525">
+                  <a14:hiddenLine xmlns="" xmlns:a14="http://schemas.microsoft.com/office/drawing/2010/main" w="9525">
                     <a:solidFill>
                       <a:srgbClr val="000000"/>
                     </a:solidFill>
@@ -11954,7 +11953,7 @@
               </a:ln>
               <a:extLst>
                 <a:ext uri="{91240B29-F687-4f45-9708-019B960494DF}">
-                  <a14:hiddenLine xmlns:a14="http://schemas.microsoft.com/office/drawing/2010/main" xmlns="" w="9525">
+                  <a14:hiddenLine xmlns="" xmlns:a14="http://schemas.microsoft.com/office/drawing/2010/main" w="9525">
                     <a:solidFill>
                       <a:srgbClr val="000000"/>
                     </a:solidFill>
@@ -12094,7 +12093,7 @@
           <a:p>
             <a:fld id="{5A6AD6F5-8CA2-456E-A314-DF5E6FC9E15E}" type="datetimeFigureOut">
               <a:rPr lang="pt-BR" smtClean="0"/>
-              <a:t>08/03/2021</a:t>
+              <a:t>16/03/2021</a:t>
             </a:fld>
             <a:endParaRPr lang="pt-BR"/>
           </a:p>
@@ -13541,13 +13540,14 @@
         </p:nvSpPr>
         <p:spPr>
           <a:xfrm>
-            <a:off x="6458858" y="2749906"/>
-            <a:ext cx="4951411" cy="1889376"/>
+            <a:off x="6407342" y="2208992"/>
+            <a:ext cx="4951411" cy="4256201"/>
           </a:xfrm>
           <a:solidFill>
-            <a:srgbClr val="000000">
+            <a:schemeClr val="bg2">
+              <a:lumMod val="50000"/>
               <a:alpha val="40000"/>
-            </a:srgbClr>
+            </a:schemeClr>
           </a:solidFill>
           <a:ln>
             <a:solidFill>
@@ -13556,19 +13556,24 @@
           </a:ln>
         </p:spPr>
         <p:txBody>
-          <a:bodyPr/>
+          <a:bodyPr vert="horz" lIns="91440" tIns="45720" rIns="91440" bIns="45720" numCol="1" rtlCol="0">
+            <a:normAutofit/>
+          </a:bodyPr>
           <a:lstStyle/>
           <a:p>
+            <a:pPr algn="just"/>
             <a:r>
               <a:rPr lang="pt-BR" dirty="0"/>
-              <a:t>Desenvolver uma biblioteca virtual que possibilite o empréstimo e troca de livro ente diferentes pessoas</a:t>
+              <a:t>Sistema </a:t>
             </a:r>
-          </a:p>
-          <a:p>
-            <a:pPr marL="0" indent="0">
-              <a:buNone/>
-            </a:pPr>
-            <a:endParaRPr lang="pt-BR" dirty="0"/>
+            <a:r>
+              <a:rPr lang="pt-BR" dirty="0" err="1"/>
+              <a:t>WeBook</a:t>
+            </a:r>
+            <a:r>
+              <a:rPr lang="pt-BR" dirty="0"/>
+              <a:t> permitirá a troca e empréstimo de livros entre usuários cadastrados no sistema. Serão aceitos somente livros físicos de qualquer gênero literário. Os usuários poderão realizar doação de obras literárias que ficaram disponível no sistema para troca ou empréstimo.</a:t>
+            </a:r>
           </a:p>
         </p:txBody>
       </p:sp>
@@ -13795,21 +13800,30 @@
                             </p:childTnLst>
                           </p:cTn>
                         </p:par>
+                      </p:childTnLst>
+                    </p:cTn>
+                  </p:par>
+                  <p:par>
+                    <p:cTn id="16" fill="hold">
+                      <p:stCondLst>
+                        <p:cond delay="indefinite"/>
+                      </p:stCondLst>
+                      <p:childTnLst>
                         <p:par>
-                          <p:cTn id="16" fill="hold">
+                          <p:cTn id="17" fill="hold">
                             <p:stCondLst>
-                              <p:cond delay="1300"/>
+                              <p:cond delay="0"/>
                             </p:stCondLst>
                             <p:childTnLst>
                               <p:par>
-                                <p:cTn id="17" presetID="1" presetClass="entr" presetSubtype="0" fill="hold" grpId="0" nodeType="afterEffect">
+                                <p:cTn id="18" presetID="1" presetClass="entr" presetSubtype="0" fill="hold" grpId="0" nodeType="clickEffect">
                                   <p:stCondLst>
                                     <p:cond delay="500"/>
                                   </p:stCondLst>
                                   <p:childTnLst>
                                     <p:set>
                                       <p:cBhvr>
-                                        <p:cTn id="18" dur="1" fill="hold">
+                                        <p:cTn id="19" dur="1" fill="hold">
                                           <p:stCondLst>
                                             <p:cond delay="0"/>
                                           </p:stCondLst>
@@ -14312,7 +14326,7 @@
         <p:spPr>
           <a:xfrm>
             <a:off x="1141413" y="2097088"/>
-            <a:ext cx="4954588" cy="2719719"/>
+            <a:ext cx="4954588" cy="1251177"/>
           </a:xfrm>
           <a:prstGeom prst="rect">
             <a:avLst/>
@@ -14446,12 +14460,325 @@
             <a:pPr algn="just"/>
             <a:r>
               <a:rPr lang="pt-BR" dirty="0"/>
-              <a:t>Disponibilizar uma ferramenta simples e intuitiva que permita um usuário cadastrar livros que deseja trocar ou emprestar </a:t>
+              <a:t>Cadastro de livros físico no sistema </a:t>
             </a:r>
-          </a:p>
-          <a:p>
-            <a:pPr algn="just"/>
+            <a:r>
+              <a:rPr lang="pt-BR" dirty="0" err="1"/>
+              <a:t>WeBook</a:t>
+            </a:r>
             <a:endParaRPr lang="pt-BR" dirty="0"/>
+          </a:p>
+        </p:txBody>
+      </p:sp>
+      <p:sp>
+        <p:nvSpPr>
+          <p:cNvPr id="9" name="CaixaDeTexto 8">
+            <a:extLst>
+              <a:ext uri="{FF2B5EF4-FFF2-40B4-BE49-F238E27FC236}">
+                <a16:creationId xmlns:a16="http://schemas.microsoft.com/office/drawing/2014/main" id="{61338C5E-83BD-4F28-8FC1-53B6A755901F}"/>
+              </a:ext>
+              <a:ext uri="{C183D7F6-B498-43B3-948B-1728B52AA6E4}">
+                <adec:decorative xmlns:adec="http://schemas.microsoft.com/office/drawing/2017/decorative" val="0"/>
+              </a:ext>
+            </a:extLst>
+          </p:cNvPr>
+          <p:cNvSpPr txBox="1"/>
+          <p:nvPr/>
+        </p:nvSpPr>
+        <p:spPr>
+          <a:xfrm>
+            <a:off x="1141413" y="3672635"/>
+            <a:ext cx="4954588" cy="774901"/>
+          </a:xfrm>
+          <a:prstGeom prst="rect">
+            <a:avLst/>
+          </a:prstGeom>
+          <a:solidFill>
+            <a:schemeClr val="bg2">
+              <a:lumMod val="50000"/>
+              <a:alpha val="40000"/>
+            </a:schemeClr>
+          </a:solidFill>
+          <a:ln>
+            <a:solidFill>
+              <a:srgbClr val="000000"/>
+            </a:solidFill>
+          </a:ln>
+        </p:spPr>
+        <p:txBody>
+          <a:bodyPr vert="horz" lIns="91440" tIns="45720" rIns="91440" bIns="45720" numCol="1" rtlCol="0">
+            <a:normAutofit/>
+          </a:bodyPr>
+          <a:lstStyle>
+            <a:lvl1pPr marL="228600" indent="-228600" defTabSz="914400">
+              <a:lnSpc>
+                <a:spcPct val="120000"/>
+              </a:lnSpc>
+              <a:spcBef>
+                <a:spcPts val="1000"/>
+              </a:spcBef>
+              <a:buSzPct val="125000"/>
+              <a:buFont typeface="Arial" panose="020B0604020202020204" pitchFamily="34" charset="0"/>
+              <a:buChar char="•"/>
+              <a:defRPr sz="2400"/>
+            </a:lvl1pPr>
+            <a:lvl2pPr marL="685800" indent="-228600" defTabSz="914400">
+              <a:lnSpc>
+                <a:spcPct val="120000"/>
+              </a:lnSpc>
+              <a:spcBef>
+                <a:spcPts val="500"/>
+              </a:spcBef>
+              <a:buSzPct val="125000"/>
+              <a:buFont typeface="Arial" panose="020B0604020202020204" pitchFamily="34" charset="0"/>
+              <a:buChar char="•"/>
+              <a:defRPr sz="2000"/>
+            </a:lvl2pPr>
+            <a:lvl3pPr marL="1143000" indent="-228600" defTabSz="914400">
+              <a:lnSpc>
+                <a:spcPct val="120000"/>
+              </a:lnSpc>
+              <a:spcBef>
+                <a:spcPts val="500"/>
+              </a:spcBef>
+              <a:buSzPct val="125000"/>
+              <a:buFont typeface="Arial" panose="020B0604020202020204" pitchFamily="34" charset="0"/>
+              <a:buChar char="•"/>
+            </a:lvl3pPr>
+            <a:lvl4pPr marL="1600200" indent="-228600" defTabSz="914400">
+              <a:lnSpc>
+                <a:spcPct val="120000"/>
+              </a:lnSpc>
+              <a:spcBef>
+                <a:spcPts val="500"/>
+              </a:spcBef>
+              <a:buSzPct val="125000"/>
+              <a:buFont typeface="Arial" panose="020B0604020202020204" pitchFamily="34" charset="0"/>
+              <a:buChar char="•"/>
+              <a:defRPr sz="1600"/>
+            </a:lvl4pPr>
+            <a:lvl5pPr marL="2057400" indent="-228600" defTabSz="914400">
+              <a:lnSpc>
+                <a:spcPct val="120000"/>
+              </a:lnSpc>
+              <a:spcBef>
+                <a:spcPts val="500"/>
+              </a:spcBef>
+              <a:buSzPct val="125000"/>
+              <a:buFont typeface="Arial" panose="020B0604020202020204" pitchFamily="34" charset="0"/>
+              <a:buChar char="•"/>
+              <a:defRPr sz="1600"/>
+            </a:lvl5pPr>
+            <a:lvl6pPr marL="2514600" indent="-228600" defTabSz="914400">
+              <a:lnSpc>
+                <a:spcPct val="120000"/>
+              </a:lnSpc>
+              <a:spcBef>
+                <a:spcPts val="500"/>
+              </a:spcBef>
+              <a:buSzPct val="125000"/>
+              <a:buFont typeface="Arial" panose="020B0604020202020204" pitchFamily="34" charset="0"/>
+              <a:buChar char="•"/>
+              <a:defRPr sz="1400"/>
+            </a:lvl6pPr>
+            <a:lvl7pPr marL="2971800" indent="-228600" defTabSz="914400">
+              <a:lnSpc>
+                <a:spcPct val="120000"/>
+              </a:lnSpc>
+              <a:spcBef>
+                <a:spcPts val="500"/>
+              </a:spcBef>
+              <a:buSzPct val="125000"/>
+              <a:buFont typeface="Arial" panose="020B0604020202020204" pitchFamily="34" charset="0"/>
+              <a:buChar char="•"/>
+              <a:defRPr sz="1400"/>
+            </a:lvl7pPr>
+            <a:lvl8pPr marL="3429000" indent="-228600" defTabSz="914400">
+              <a:lnSpc>
+                <a:spcPct val="120000"/>
+              </a:lnSpc>
+              <a:spcBef>
+                <a:spcPts val="500"/>
+              </a:spcBef>
+              <a:buSzPct val="125000"/>
+              <a:buFont typeface="Arial" panose="020B0604020202020204" pitchFamily="34" charset="0"/>
+              <a:buChar char="•"/>
+              <a:defRPr sz="1400"/>
+            </a:lvl8pPr>
+            <a:lvl9pPr marL="3886200" indent="-228600" defTabSz="914400">
+              <a:lnSpc>
+                <a:spcPct val="120000"/>
+              </a:lnSpc>
+              <a:spcBef>
+                <a:spcPts val="500"/>
+              </a:spcBef>
+              <a:buSzPct val="125000"/>
+              <a:buFont typeface="Arial" panose="020B0604020202020204" pitchFamily="34" charset="0"/>
+              <a:buChar char="•"/>
+              <a:defRPr sz="1400"/>
+            </a:lvl9pPr>
+          </a:lstStyle>
+          <a:p>
+            <a:r>
+              <a:rPr lang="pt-BR" dirty="0"/>
+              <a:t>Doação de livros novos ou usados;</a:t>
+            </a:r>
+          </a:p>
+        </p:txBody>
+      </p:sp>
+      <p:sp>
+        <p:nvSpPr>
+          <p:cNvPr id="10" name="CaixaDeTexto 9">
+            <a:extLst>
+              <a:ext uri="{FF2B5EF4-FFF2-40B4-BE49-F238E27FC236}">
+                <a16:creationId xmlns:a16="http://schemas.microsoft.com/office/drawing/2014/main" id="{6E897019-9B88-47C2-9C2F-C939416F42F6}"/>
+              </a:ext>
+              <a:ext uri="{C183D7F6-B498-43B3-948B-1728B52AA6E4}">
+                <adec:decorative xmlns:adec="http://schemas.microsoft.com/office/drawing/2017/decorative" val="0"/>
+              </a:ext>
+            </a:extLst>
+          </p:cNvPr>
+          <p:cNvSpPr txBox="1"/>
+          <p:nvPr/>
+        </p:nvSpPr>
+        <p:spPr>
+          <a:xfrm>
+            <a:off x="1139824" y="4826835"/>
+            <a:ext cx="4954588" cy="774901"/>
+          </a:xfrm>
+          <a:prstGeom prst="rect">
+            <a:avLst/>
+          </a:prstGeom>
+          <a:solidFill>
+            <a:schemeClr val="bg2">
+              <a:lumMod val="50000"/>
+              <a:alpha val="40000"/>
+            </a:schemeClr>
+          </a:solidFill>
+          <a:ln>
+            <a:solidFill>
+              <a:srgbClr val="000000"/>
+            </a:solidFill>
+          </a:ln>
+        </p:spPr>
+        <p:txBody>
+          <a:bodyPr vert="horz" lIns="91440" tIns="45720" rIns="91440" bIns="45720" numCol="1" rtlCol="0">
+            <a:normAutofit/>
+          </a:bodyPr>
+          <a:lstStyle>
+            <a:lvl1pPr marL="228600" indent="-228600" defTabSz="914400">
+              <a:lnSpc>
+                <a:spcPct val="120000"/>
+              </a:lnSpc>
+              <a:spcBef>
+                <a:spcPts val="1000"/>
+              </a:spcBef>
+              <a:buSzPct val="125000"/>
+              <a:buFont typeface="Arial" panose="020B0604020202020204" pitchFamily="34" charset="0"/>
+              <a:buChar char="•"/>
+              <a:defRPr sz="2400"/>
+            </a:lvl1pPr>
+            <a:lvl2pPr marL="685800" indent="-228600" defTabSz="914400">
+              <a:lnSpc>
+                <a:spcPct val="120000"/>
+              </a:lnSpc>
+              <a:spcBef>
+                <a:spcPts val="500"/>
+              </a:spcBef>
+              <a:buSzPct val="125000"/>
+              <a:buFont typeface="Arial" panose="020B0604020202020204" pitchFamily="34" charset="0"/>
+              <a:buChar char="•"/>
+              <a:defRPr sz="2000"/>
+            </a:lvl2pPr>
+            <a:lvl3pPr marL="1143000" indent="-228600" defTabSz="914400">
+              <a:lnSpc>
+                <a:spcPct val="120000"/>
+              </a:lnSpc>
+              <a:spcBef>
+                <a:spcPts val="500"/>
+              </a:spcBef>
+              <a:buSzPct val="125000"/>
+              <a:buFont typeface="Arial" panose="020B0604020202020204" pitchFamily="34" charset="0"/>
+              <a:buChar char="•"/>
+            </a:lvl3pPr>
+            <a:lvl4pPr marL="1600200" indent="-228600" defTabSz="914400">
+              <a:lnSpc>
+                <a:spcPct val="120000"/>
+              </a:lnSpc>
+              <a:spcBef>
+                <a:spcPts val="500"/>
+              </a:spcBef>
+              <a:buSzPct val="125000"/>
+              <a:buFont typeface="Arial" panose="020B0604020202020204" pitchFamily="34" charset="0"/>
+              <a:buChar char="•"/>
+              <a:defRPr sz="1600"/>
+            </a:lvl4pPr>
+            <a:lvl5pPr marL="2057400" indent="-228600" defTabSz="914400">
+              <a:lnSpc>
+                <a:spcPct val="120000"/>
+              </a:lnSpc>
+              <a:spcBef>
+                <a:spcPts val="500"/>
+              </a:spcBef>
+              <a:buSzPct val="125000"/>
+              <a:buFont typeface="Arial" panose="020B0604020202020204" pitchFamily="34" charset="0"/>
+              <a:buChar char="•"/>
+              <a:defRPr sz="1600"/>
+            </a:lvl5pPr>
+            <a:lvl6pPr marL="2514600" indent="-228600" defTabSz="914400">
+              <a:lnSpc>
+                <a:spcPct val="120000"/>
+              </a:lnSpc>
+              <a:spcBef>
+                <a:spcPts val="500"/>
+              </a:spcBef>
+              <a:buSzPct val="125000"/>
+              <a:buFont typeface="Arial" panose="020B0604020202020204" pitchFamily="34" charset="0"/>
+              <a:buChar char="•"/>
+              <a:defRPr sz="1400"/>
+            </a:lvl6pPr>
+            <a:lvl7pPr marL="2971800" indent="-228600" defTabSz="914400">
+              <a:lnSpc>
+                <a:spcPct val="120000"/>
+              </a:lnSpc>
+              <a:spcBef>
+                <a:spcPts val="500"/>
+              </a:spcBef>
+              <a:buSzPct val="125000"/>
+              <a:buFont typeface="Arial" panose="020B0604020202020204" pitchFamily="34" charset="0"/>
+              <a:buChar char="•"/>
+              <a:defRPr sz="1400"/>
+            </a:lvl7pPr>
+            <a:lvl8pPr marL="3429000" indent="-228600" defTabSz="914400">
+              <a:lnSpc>
+                <a:spcPct val="120000"/>
+              </a:lnSpc>
+              <a:spcBef>
+                <a:spcPts val="500"/>
+              </a:spcBef>
+              <a:buSzPct val="125000"/>
+              <a:buFont typeface="Arial" panose="020B0604020202020204" pitchFamily="34" charset="0"/>
+              <a:buChar char="•"/>
+              <a:defRPr sz="1400"/>
+            </a:lvl8pPr>
+            <a:lvl9pPr marL="3886200" indent="-228600" defTabSz="914400">
+              <a:lnSpc>
+                <a:spcPct val="120000"/>
+              </a:lnSpc>
+              <a:spcBef>
+                <a:spcPts val="500"/>
+              </a:spcBef>
+              <a:buSzPct val="125000"/>
+              <a:buFont typeface="Arial" panose="020B0604020202020204" pitchFamily="34" charset="0"/>
+              <a:buChar char="•"/>
+              <a:defRPr sz="1400"/>
+            </a:lvl9pPr>
+          </a:lstStyle>
+          <a:p>
+            <a:r>
+              <a:rPr lang="pt-BR" dirty="0"/>
+              <a:t>Troca e empréstimo de livros usados;</a:t>
+            </a:r>
           </a:p>
         </p:txBody>
       </p:sp>
@@ -14643,796 +14970,21 @@
                                   </p:childTnLst>
                                 </p:cTn>
                               </p:par>
-                            </p:childTnLst>
-                          </p:cTn>
-                        </p:par>
-                      </p:childTnLst>
-                    </p:cTn>
-                  </p:par>
-                </p:childTnLst>
-              </p:cTn>
-              <p:prevCondLst>
-                <p:cond evt="onPrev" delay="0">
-                  <p:tgtEl>
-                    <p:sldTgt/>
-                  </p:tgtEl>
-                </p:cond>
-              </p:prevCondLst>
-              <p:nextCondLst>
-                <p:cond evt="onNext" delay="0">
-                  <p:tgtEl>
-                    <p:sldTgt/>
-                  </p:tgtEl>
-                </p:cond>
-              </p:nextCondLst>
-            </p:seq>
-          </p:childTnLst>
-        </p:cTn>
-      </p:par>
-    </p:tnLst>
-    <p:bldLst>
-      <p:bldP spid="2" grpId="0"/>
-      <p:bldP spid="5" grpId="0" animBg="1"/>
-    </p:bldLst>
-  </p:timing>
-</p:sld>
-</file>
-
-<file path=ppt/slides/slide4.xml><?xml version="1.0" encoding="utf-8"?>
-<p:sld xmlns:a="http://schemas.openxmlformats.org/drawingml/2006/main" xmlns:r="http://schemas.openxmlformats.org/officeDocument/2006/relationships" xmlns:p="http://schemas.openxmlformats.org/presentationml/2006/main">
-  <p:cSld>
-    <p:spTree>
-      <p:nvGrpSpPr>
-        <p:cNvPr id="1" name=""/>
-        <p:cNvGrpSpPr/>
-        <p:nvPr/>
-      </p:nvGrpSpPr>
-      <p:grpSpPr>
-        <a:xfrm>
-          <a:off x="0" y="0"/>
-          <a:ext cx="0" cy="0"/>
-          <a:chOff x="0" y="0"/>
-          <a:chExt cx="0" cy="0"/>
-        </a:xfrm>
-      </p:grpSpPr>
-      <p:sp>
-        <p:nvSpPr>
-          <p:cNvPr id="2" name="Título 1">
-            <a:extLst>
-              <a:ext uri="{FF2B5EF4-FFF2-40B4-BE49-F238E27FC236}">
-                <a16:creationId xmlns:a16="http://schemas.microsoft.com/office/drawing/2014/main" id="{053A2988-FC03-43FA-8B36-B15DA2AAF07A}"/>
-              </a:ext>
-            </a:extLst>
-          </p:cNvPr>
-          <p:cNvSpPr>
-            <a:spLocks noGrp="1"/>
-          </p:cNvSpPr>
-          <p:nvPr>
-            <p:ph type="title"/>
-          </p:nvPr>
-        </p:nvSpPr>
-        <p:spPr/>
-        <p:txBody>
-          <a:bodyPr>
-            <a:normAutofit/>
-          </a:bodyPr>
-          <a:lstStyle/>
-          <a:p>
-            <a:r>
-              <a:rPr lang="pt-BR" sz="5400" cap="none" dirty="0"/>
-              <a:t>Objetivos</a:t>
-            </a:r>
-          </a:p>
-        </p:txBody>
-      </p:sp>
-      <p:grpSp>
-        <p:nvGrpSpPr>
-          <p:cNvPr id="6" name="Gráfico 3" descr="Transferir">
-            <a:extLst>
-              <a:ext uri="{FF2B5EF4-FFF2-40B4-BE49-F238E27FC236}">
-                <a16:creationId xmlns:a16="http://schemas.microsoft.com/office/drawing/2014/main" id="{ABC73CD1-3FB3-4432-BD5E-109793E0EDCD}"/>
-              </a:ext>
-            </a:extLst>
-          </p:cNvPr>
-          <p:cNvGrpSpPr/>
-          <p:nvPr/>
-        </p:nvGrpSpPr>
-        <p:grpSpPr>
-          <a:xfrm>
-            <a:off x="5330372" y="-478971"/>
-            <a:ext cx="5395685" cy="8134200"/>
-            <a:chOff x="5330372" y="-478971"/>
-            <a:chExt cx="4479697" cy="8134200"/>
-          </a:xfrm>
-          <a:solidFill>
-            <a:srgbClr val="FFFFFF">
-              <a:alpha val="20000"/>
-            </a:srgbClr>
-          </a:solidFill>
-        </p:grpSpPr>
-        <p:sp>
-          <p:nvSpPr>
-            <p:cNvPr id="7" name="Forma Livre: Forma 6">
-              <a:extLst>
-                <a:ext uri="{FF2B5EF4-FFF2-40B4-BE49-F238E27FC236}">
-                  <a16:creationId xmlns:a16="http://schemas.microsoft.com/office/drawing/2014/main" id="{90A65701-1E7B-4BBC-86B4-4A130874E3BF}"/>
-                </a:ext>
-              </a:extLst>
-            </p:cNvPr>
-            <p:cNvSpPr/>
-            <p:nvPr/>
-          </p:nvSpPr>
-          <p:spPr>
-            <a:xfrm>
-              <a:off x="5517026" y="3509735"/>
-              <a:ext cx="4106265" cy="2874300"/>
-            </a:xfrm>
-            <a:custGeom>
-              <a:avLst/>
-              <a:gdLst>
-                <a:gd name="connsiteX0" fmla="*/ 139991 w 4106265"/>
-                <a:gd name="connsiteY0" fmla="*/ 1179900 h 2874300"/>
-                <a:gd name="connsiteX1" fmla="*/ 3628555 w 4106265"/>
-                <a:gd name="connsiteY1" fmla="*/ 1179900 h 2874300"/>
-                <a:gd name="connsiteX2" fmla="*/ 3214183 w 4106265"/>
-                <a:gd name="connsiteY2" fmla="*/ 427486 h 2874300"/>
-                <a:gd name="connsiteX3" fmla="*/ 3221168 w 4106265"/>
-                <a:gd name="connsiteY3" fmla="*/ 68226 h 2874300"/>
-                <a:gd name="connsiteX4" fmla="*/ 3412036 w 4106265"/>
-                <a:gd name="connsiteY4" fmla="*/ 68226 h 2874300"/>
-                <a:gd name="connsiteX5" fmla="*/ 4065325 w 4106265"/>
-                <a:gd name="connsiteY5" fmla="*/ 1254463 h 2874300"/>
-                <a:gd name="connsiteX6" fmla="*/ 4065325 w 4106265"/>
-                <a:gd name="connsiteY6" fmla="*/ 1613724 h 2874300"/>
-                <a:gd name="connsiteX7" fmla="*/ 3412036 w 4106265"/>
-                <a:gd name="connsiteY7" fmla="*/ 2799961 h 2874300"/>
-                <a:gd name="connsiteX8" fmla="*/ 3214183 w 4106265"/>
-                <a:gd name="connsiteY8" fmla="*/ 2799961 h 2874300"/>
-                <a:gd name="connsiteX9" fmla="*/ 3214183 w 4106265"/>
-                <a:gd name="connsiteY9" fmla="*/ 2440700 h 2874300"/>
-                <a:gd name="connsiteX10" fmla="*/ 3628555 w 4106265"/>
-                <a:gd name="connsiteY10" fmla="*/ 1688287 h 2874300"/>
-                <a:gd name="connsiteX11" fmla="*/ 139991 w 4106265"/>
-                <a:gd name="connsiteY11" fmla="*/ 1688287 h 2874300"/>
-                <a:gd name="connsiteX12" fmla="*/ 0 w 4106265"/>
-                <a:gd name="connsiteY12" fmla="*/ 1434093 h 2874300"/>
-                <a:gd name="connsiteX13" fmla="*/ 139991 w 4106265"/>
-                <a:gd name="connsiteY13" fmla="*/ 1179900 h 2874300"/>
-              </a:gdLst>
-              <a:ahLst/>
-              <a:cxnLst>
-                <a:cxn ang="0">
-                  <a:pos x="connsiteX0" y="connsiteY0"/>
-                </a:cxn>
-                <a:cxn ang="0">
-                  <a:pos x="connsiteX1" y="connsiteY1"/>
-                </a:cxn>
-                <a:cxn ang="0">
-                  <a:pos x="connsiteX2" y="connsiteY2"/>
-                </a:cxn>
-                <a:cxn ang="0">
-                  <a:pos x="connsiteX3" y="connsiteY3"/>
-                </a:cxn>
-                <a:cxn ang="0">
-                  <a:pos x="connsiteX4" y="connsiteY4"/>
-                </a:cxn>
-                <a:cxn ang="0">
-                  <a:pos x="connsiteX5" y="connsiteY5"/>
-                </a:cxn>
-                <a:cxn ang="0">
-                  <a:pos x="connsiteX6" y="connsiteY6"/>
-                </a:cxn>
-                <a:cxn ang="0">
-                  <a:pos x="connsiteX7" y="connsiteY7"/>
-                </a:cxn>
-                <a:cxn ang="0">
-                  <a:pos x="connsiteX8" y="connsiteY8"/>
-                </a:cxn>
-                <a:cxn ang="0">
-                  <a:pos x="connsiteX9" y="connsiteY9"/>
-                </a:cxn>
-                <a:cxn ang="0">
-                  <a:pos x="connsiteX10" y="connsiteY10"/>
-                </a:cxn>
-                <a:cxn ang="0">
-                  <a:pos x="connsiteX11" y="connsiteY11"/>
-                </a:cxn>
-                <a:cxn ang="0">
-                  <a:pos x="connsiteX12" y="connsiteY12"/>
-                </a:cxn>
-                <a:cxn ang="0">
-                  <a:pos x="connsiteX13" y="connsiteY13"/>
-                </a:cxn>
-              </a:cxnLst>
-              <a:rect l="l" t="t" r="r" b="b"/>
-              <a:pathLst>
-                <a:path w="4106265" h="2874300">
-                  <a:moveTo>
-                    <a:pt x="139991" y="1179900"/>
-                  </a:moveTo>
-                  <a:lnTo>
-                    <a:pt x="3628555" y="1179900"/>
-                  </a:lnTo>
-                  <a:lnTo>
-                    <a:pt x="3214183" y="427486"/>
-                  </a:lnTo>
-                  <a:cubicBezTo>
-                    <a:pt x="3161476" y="324775"/>
-                    <a:pt x="3164603" y="163929"/>
-                    <a:pt x="3221168" y="68226"/>
-                  </a:cubicBezTo>
-                  <a:cubicBezTo>
-                    <a:pt x="3274929" y="-22742"/>
-                    <a:pt x="3358275" y="-22742"/>
-                    <a:pt x="3412036" y="68226"/>
-                  </a:cubicBezTo>
-                  <a:lnTo>
-                    <a:pt x="4065325" y="1254463"/>
-                  </a:lnTo>
-                  <a:cubicBezTo>
-                    <a:pt x="4119912" y="1353709"/>
-                    <a:pt x="4119912" y="1514478"/>
-                    <a:pt x="4065325" y="1613724"/>
-                  </a:cubicBezTo>
-                  <a:lnTo>
-                    <a:pt x="3412036" y="2799961"/>
-                  </a:lnTo>
-                  <a:cubicBezTo>
-                    <a:pt x="3357379" y="2899080"/>
-                    <a:pt x="3268840" y="2899080"/>
-                    <a:pt x="3214183" y="2799961"/>
-                  </a:cubicBezTo>
-                  <a:cubicBezTo>
-                    <a:pt x="3159596" y="2700715"/>
-                    <a:pt x="3159596" y="2539946"/>
-                    <a:pt x="3214183" y="2440700"/>
-                  </a:cubicBezTo>
-                  <a:lnTo>
-                    <a:pt x="3628555" y="1688287"/>
-                  </a:lnTo>
-                  <a:lnTo>
-                    <a:pt x="139991" y="1688287"/>
-                  </a:lnTo>
-                  <a:cubicBezTo>
-                    <a:pt x="62676" y="1688287"/>
-                    <a:pt x="0" y="1574484"/>
-                    <a:pt x="0" y="1434093"/>
-                  </a:cubicBezTo>
-                  <a:cubicBezTo>
-                    <a:pt x="0" y="1293702"/>
-                    <a:pt x="62676" y="1179900"/>
-                    <a:pt x="139991" y="1179900"/>
-                  </a:cubicBezTo>
-                  <a:close/>
-                </a:path>
-              </a:pathLst>
-            </a:custGeom>
-            <a:grpFill/>
-            <a:ln w="46633" cap="flat">
-              <a:noFill/>
-              <a:prstDash val="solid"/>
-              <a:miter/>
-            </a:ln>
-          </p:spPr>
-          <p:txBody>
-            <a:bodyPr rtlCol="0" anchor="ctr"/>
-            <a:lstStyle/>
-            <a:p>
-              <a:endParaRPr lang="pt-BR"/>
-            </a:p>
-          </p:txBody>
-        </p:sp>
-        <p:sp>
-          <p:nvSpPr>
-            <p:cNvPr id="8" name="Forma Livre: Forma 7">
-              <a:extLst>
-                <a:ext uri="{FF2B5EF4-FFF2-40B4-BE49-F238E27FC236}">
-                  <a16:creationId xmlns:a16="http://schemas.microsoft.com/office/drawing/2014/main" id="{43442287-5189-41E5-A8B8-46732F3D4C75}"/>
-                </a:ext>
-              </a:extLst>
-            </p:cNvPr>
-            <p:cNvSpPr/>
-            <p:nvPr/>
-          </p:nvSpPr>
-          <p:spPr>
-            <a:xfrm>
-              <a:off x="5517149" y="785654"/>
-              <a:ext cx="4106265" cy="2886981"/>
-            </a:xfrm>
-            <a:custGeom>
-              <a:avLst/>
-              <a:gdLst>
-                <a:gd name="connsiteX0" fmla="*/ 3966275 w 4106265"/>
-                <a:gd name="connsiteY0" fmla="*/ 1192581 h 2886981"/>
-                <a:gd name="connsiteX1" fmla="*/ 477711 w 4106265"/>
-                <a:gd name="connsiteY1" fmla="*/ 1192581 h 2886981"/>
-                <a:gd name="connsiteX2" fmla="*/ 892083 w 4106265"/>
-                <a:gd name="connsiteY2" fmla="*/ 440168 h 2886981"/>
-                <a:gd name="connsiteX3" fmla="*/ 899069 w 4106265"/>
-                <a:gd name="connsiteY3" fmla="*/ 80907 h 2886981"/>
-                <a:gd name="connsiteX4" fmla="*/ 701215 w 4106265"/>
-                <a:gd name="connsiteY4" fmla="*/ 68223 h 2886981"/>
-                <a:gd name="connsiteX5" fmla="*/ 694230 w 4106265"/>
-                <a:gd name="connsiteY5" fmla="*/ 80907 h 2886981"/>
-                <a:gd name="connsiteX6" fmla="*/ 40941 w 4106265"/>
-                <a:gd name="connsiteY6" fmla="*/ 1267145 h 2886981"/>
-                <a:gd name="connsiteX7" fmla="*/ 40941 w 4106265"/>
-                <a:gd name="connsiteY7" fmla="*/ 1626405 h 2886981"/>
-                <a:gd name="connsiteX8" fmla="*/ 694230 w 4106265"/>
-                <a:gd name="connsiteY8" fmla="*/ 2812643 h 2886981"/>
-                <a:gd name="connsiteX9" fmla="*/ 892083 w 4106265"/>
-                <a:gd name="connsiteY9" fmla="*/ 2812643 h 2886981"/>
-                <a:gd name="connsiteX10" fmla="*/ 892083 w 4106265"/>
-                <a:gd name="connsiteY10" fmla="*/ 2453382 h 2886981"/>
-                <a:gd name="connsiteX11" fmla="*/ 477711 w 4106265"/>
-                <a:gd name="connsiteY11" fmla="*/ 1700969 h 2886981"/>
-                <a:gd name="connsiteX12" fmla="*/ 3966275 w 4106265"/>
-                <a:gd name="connsiteY12" fmla="*/ 1700969 h 2886981"/>
-                <a:gd name="connsiteX13" fmla="*/ 4106266 w 4106265"/>
-                <a:gd name="connsiteY13" fmla="*/ 1446775 h 2886981"/>
-                <a:gd name="connsiteX14" fmla="*/ 3966275 w 4106265"/>
-                <a:gd name="connsiteY14" fmla="*/ 1192581 h 2886981"/>
-              </a:gdLst>
-              <a:ahLst/>
-              <a:cxnLst>
-                <a:cxn ang="0">
-                  <a:pos x="connsiteX0" y="connsiteY0"/>
-                </a:cxn>
-                <a:cxn ang="0">
-                  <a:pos x="connsiteX1" y="connsiteY1"/>
-                </a:cxn>
-                <a:cxn ang="0">
-                  <a:pos x="connsiteX2" y="connsiteY2"/>
-                </a:cxn>
-                <a:cxn ang="0">
-                  <a:pos x="connsiteX3" y="connsiteY3"/>
-                </a:cxn>
-                <a:cxn ang="0">
-                  <a:pos x="connsiteX4" y="connsiteY4"/>
-                </a:cxn>
-                <a:cxn ang="0">
-                  <a:pos x="connsiteX5" y="connsiteY5"/>
-                </a:cxn>
-                <a:cxn ang="0">
-                  <a:pos x="connsiteX6" y="connsiteY6"/>
-                </a:cxn>
-                <a:cxn ang="0">
-                  <a:pos x="connsiteX7" y="connsiteY7"/>
-                </a:cxn>
-                <a:cxn ang="0">
-                  <a:pos x="connsiteX8" y="connsiteY8"/>
-                </a:cxn>
-                <a:cxn ang="0">
-                  <a:pos x="connsiteX9" y="connsiteY9"/>
-                </a:cxn>
-                <a:cxn ang="0">
-                  <a:pos x="connsiteX10" y="connsiteY10"/>
-                </a:cxn>
-                <a:cxn ang="0">
-                  <a:pos x="connsiteX11" y="connsiteY11"/>
-                </a:cxn>
-                <a:cxn ang="0">
-                  <a:pos x="connsiteX12" y="connsiteY12"/>
-                </a:cxn>
-                <a:cxn ang="0">
-                  <a:pos x="connsiteX13" y="connsiteY13"/>
-                </a:cxn>
-                <a:cxn ang="0">
-                  <a:pos x="connsiteX14" y="connsiteY14"/>
-                </a:cxn>
-              </a:cxnLst>
-              <a:rect l="l" t="t" r="r" b="b"/>
-              <a:pathLst>
-                <a:path w="4106265" h="2886981">
-                  <a:moveTo>
-                    <a:pt x="3966275" y="1192581"/>
-                  </a:moveTo>
-                  <a:lnTo>
-                    <a:pt x="477711" y="1192581"/>
-                  </a:lnTo>
-                  <a:lnTo>
-                    <a:pt x="892083" y="440168"/>
-                  </a:lnTo>
-                  <a:cubicBezTo>
-                    <a:pt x="948649" y="344464"/>
-                    <a:pt x="951775" y="183618"/>
-                    <a:pt x="899069" y="80907"/>
-                  </a:cubicBezTo>
-                  <a:cubicBezTo>
-                    <a:pt x="846362" y="-21804"/>
-                    <a:pt x="757776" y="-27481"/>
-                    <a:pt x="701215" y="68223"/>
-                  </a:cubicBezTo>
-                  <a:cubicBezTo>
-                    <a:pt x="698803" y="72298"/>
-                    <a:pt x="696474" y="76535"/>
-                    <a:pt x="694230" y="80907"/>
-                  </a:cubicBezTo>
-                  <a:lnTo>
-                    <a:pt x="40941" y="1267145"/>
-                  </a:lnTo>
-                  <a:cubicBezTo>
-                    <a:pt x="-13647" y="1366390"/>
-                    <a:pt x="-13647" y="1527159"/>
-                    <a:pt x="40941" y="1626405"/>
-                  </a:cubicBezTo>
-                  <a:lnTo>
-                    <a:pt x="694230" y="2812643"/>
-                  </a:lnTo>
-                  <a:cubicBezTo>
-                    <a:pt x="748887" y="2911761"/>
-                    <a:pt x="837426" y="2911761"/>
-                    <a:pt x="892083" y="2812643"/>
-                  </a:cubicBezTo>
-                  <a:cubicBezTo>
-                    <a:pt x="946670" y="2713397"/>
-                    <a:pt x="946670" y="2552628"/>
-                    <a:pt x="892083" y="2453382"/>
-                  </a:cubicBezTo>
-                  <a:lnTo>
-                    <a:pt x="477711" y="1700969"/>
-                  </a:lnTo>
-                  <a:lnTo>
-                    <a:pt x="3966275" y="1700969"/>
-                  </a:lnTo>
-                  <a:cubicBezTo>
-                    <a:pt x="4043592" y="1700969"/>
-                    <a:pt x="4106266" y="1587166"/>
-                    <a:pt x="4106266" y="1446775"/>
-                  </a:cubicBezTo>
-                  <a:cubicBezTo>
-                    <a:pt x="4106266" y="1306384"/>
-                    <a:pt x="4043592" y="1192581"/>
-                    <a:pt x="3966275" y="1192581"/>
-                  </a:cubicBezTo>
-                  <a:close/>
-                </a:path>
-              </a:pathLst>
-            </a:custGeom>
-            <a:grpFill/>
-            <a:ln w="46633" cap="flat">
-              <a:noFill/>
-              <a:prstDash val="solid"/>
-              <a:miter/>
-            </a:ln>
-          </p:spPr>
-          <p:txBody>
-            <a:bodyPr rtlCol="0" anchor="ctr"/>
-            <a:lstStyle/>
-            <a:p>
-              <a:endParaRPr lang="pt-BR"/>
-            </a:p>
-          </p:txBody>
-        </p:sp>
-      </p:grpSp>
-      <p:sp>
-        <p:nvSpPr>
-          <p:cNvPr id="5" name="CaixaDeTexto 4">
-            <a:extLst>
-              <a:ext uri="{FF2B5EF4-FFF2-40B4-BE49-F238E27FC236}">
-                <a16:creationId xmlns:a16="http://schemas.microsoft.com/office/drawing/2014/main" id="{F936FC66-6C08-484E-A37C-19D304072990}"/>
-              </a:ext>
-              <a:ext uri="{C183D7F6-B498-43B3-948B-1728B52AA6E4}">
-                <adec:decorative xmlns:adec="http://schemas.microsoft.com/office/drawing/2017/decorative" val="0"/>
-              </a:ext>
-            </a:extLst>
-          </p:cNvPr>
-          <p:cNvSpPr txBox="1"/>
-          <p:nvPr/>
-        </p:nvSpPr>
-        <p:spPr>
-          <a:xfrm>
-            <a:off x="1141413" y="2097088"/>
-            <a:ext cx="4954588" cy="2719719"/>
-          </a:xfrm>
-          <a:prstGeom prst="rect">
-            <a:avLst/>
-          </a:prstGeom>
-          <a:solidFill>
-            <a:schemeClr val="bg2">
-              <a:lumMod val="50000"/>
-              <a:alpha val="40000"/>
-            </a:schemeClr>
-          </a:solidFill>
-          <a:ln>
-            <a:solidFill>
-              <a:srgbClr val="000000"/>
-            </a:solidFill>
-          </a:ln>
-        </p:spPr>
-        <p:txBody>
-          <a:bodyPr vert="horz" lIns="91440" tIns="45720" rIns="91440" bIns="45720" numCol="1" rtlCol="0">
-            <a:normAutofit/>
-          </a:bodyPr>
-          <a:lstStyle>
-            <a:lvl1pPr marL="228600" indent="-228600" defTabSz="914400">
-              <a:lnSpc>
-                <a:spcPct val="120000"/>
-              </a:lnSpc>
-              <a:spcBef>
-                <a:spcPts val="1000"/>
-              </a:spcBef>
-              <a:buSzPct val="125000"/>
-              <a:buFont typeface="Arial" panose="020B0604020202020204" pitchFamily="34" charset="0"/>
-              <a:buChar char="•"/>
-              <a:defRPr sz="2400"/>
-            </a:lvl1pPr>
-            <a:lvl2pPr marL="685800" indent="-228600" defTabSz="914400">
-              <a:lnSpc>
-                <a:spcPct val="120000"/>
-              </a:lnSpc>
-              <a:spcBef>
-                <a:spcPts val="500"/>
-              </a:spcBef>
-              <a:buSzPct val="125000"/>
-              <a:buFont typeface="Arial" panose="020B0604020202020204" pitchFamily="34" charset="0"/>
-              <a:buChar char="•"/>
-              <a:defRPr sz="2000"/>
-            </a:lvl2pPr>
-            <a:lvl3pPr marL="1143000" indent="-228600" defTabSz="914400">
-              <a:lnSpc>
-                <a:spcPct val="120000"/>
-              </a:lnSpc>
-              <a:spcBef>
-                <a:spcPts val="500"/>
-              </a:spcBef>
-              <a:buSzPct val="125000"/>
-              <a:buFont typeface="Arial" panose="020B0604020202020204" pitchFamily="34" charset="0"/>
-              <a:buChar char="•"/>
-            </a:lvl3pPr>
-            <a:lvl4pPr marL="1600200" indent="-228600" defTabSz="914400">
-              <a:lnSpc>
-                <a:spcPct val="120000"/>
-              </a:lnSpc>
-              <a:spcBef>
-                <a:spcPts val="500"/>
-              </a:spcBef>
-              <a:buSzPct val="125000"/>
-              <a:buFont typeface="Arial" panose="020B0604020202020204" pitchFamily="34" charset="0"/>
-              <a:buChar char="•"/>
-              <a:defRPr sz="1600"/>
-            </a:lvl4pPr>
-            <a:lvl5pPr marL="2057400" indent="-228600" defTabSz="914400">
-              <a:lnSpc>
-                <a:spcPct val="120000"/>
-              </a:lnSpc>
-              <a:spcBef>
-                <a:spcPts val="500"/>
-              </a:spcBef>
-              <a:buSzPct val="125000"/>
-              <a:buFont typeface="Arial" panose="020B0604020202020204" pitchFamily="34" charset="0"/>
-              <a:buChar char="•"/>
-              <a:defRPr sz="1600"/>
-            </a:lvl5pPr>
-            <a:lvl6pPr marL="2514600" indent="-228600" defTabSz="914400">
-              <a:lnSpc>
-                <a:spcPct val="120000"/>
-              </a:lnSpc>
-              <a:spcBef>
-                <a:spcPts val="500"/>
-              </a:spcBef>
-              <a:buSzPct val="125000"/>
-              <a:buFont typeface="Arial" panose="020B0604020202020204" pitchFamily="34" charset="0"/>
-              <a:buChar char="•"/>
-              <a:defRPr sz="1400"/>
-            </a:lvl6pPr>
-            <a:lvl7pPr marL="2971800" indent="-228600" defTabSz="914400">
-              <a:lnSpc>
-                <a:spcPct val="120000"/>
-              </a:lnSpc>
-              <a:spcBef>
-                <a:spcPts val="500"/>
-              </a:spcBef>
-              <a:buSzPct val="125000"/>
-              <a:buFont typeface="Arial" panose="020B0604020202020204" pitchFamily="34" charset="0"/>
-              <a:buChar char="•"/>
-              <a:defRPr sz="1400"/>
-            </a:lvl7pPr>
-            <a:lvl8pPr marL="3429000" indent="-228600" defTabSz="914400">
-              <a:lnSpc>
-                <a:spcPct val="120000"/>
-              </a:lnSpc>
-              <a:spcBef>
-                <a:spcPts val="500"/>
-              </a:spcBef>
-              <a:buSzPct val="125000"/>
-              <a:buFont typeface="Arial" panose="020B0604020202020204" pitchFamily="34" charset="0"/>
-              <a:buChar char="•"/>
-              <a:defRPr sz="1400"/>
-            </a:lvl8pPr>
-            <a:lvl9pPr marL="3886200" indent="-228600" defTabSz="914400">
-              <a:lnSpc>
-                <a:spcPct val="120000"/>
-              </a:lnSpc>
-              <a:spcBef>
-                <a:spcPts val="500"/>
-              </a:spcBef>
-              <a:buSzPct val="125000"/>
-              <a:buFont typeface="Arial" panose="020B0604020202020204" pitchFamily="34" charset="0"/>
-              <a:buChar char="•"/>
-              <a:defRPr sz="1400"/>
-            </a:lvl9pPr>
-          </a:lstStyle>
-          <a:p>
-            <a:r>
-              <a:rPr lang="pt-BR" dirty="0"/>
-              <a:t>Possibilitar uma interface interativa que auxilie no processo de troca e empréstimo de livros</a:t>
-            </a:r>
-          </a:p>
-          <a:p>
-            <a:pPr algn="just"/>
-            <a:endParaRPr lang="pt-BR" dirty="0"/>
-          </a:p>
-        </p:txBody>
-      </p:sp>
-    </p:spTree>
-    <p:extLst>
-      <p:ext uri="{BB962C8B-B14F-4D97-AF65-F5344CB8AC3E}">
-        <p14:creationId xmlns:p14="http://schemas.microsoft.com/office/powerpoint/2010/main" val="1641363600"/>
-      </p:ext>
-    </p:extLst>
-  </p:cSld>
-  <p:clrMapOvr>
-    <a:masterClrMapping/>
-  </p:clrMapOvr>
-  <p:transition spd="med" advClick="0">
-    <p:wipe dir="u"/>
-  </p:transition>
-  <p:timing>
-    <p:tnLst>
-      <p:par>
-        <p:cTn id="1" dur="indefinite" restart="never" nodeType="tmRoot">
-          <p:childTnLst>
-            <p:seq concurrent="1" nextAc="seek">
-              <p:cTn id="2" dur="indefinite" nodeType="mainSeq">
-                <p:childTnLst>
-                  <p:par>
-                    <p:cTn id="3" fill="hold">
-                      <p:stCondLst>
-                        <p:cond delay="indefinite"/>
-                        <p:cond evt="onBegin" delay="0">
-                          <p:tn val="2"/>
-                        </p:cond>
-                      </p:stCondLst>
-                      <p:childTnLst>
-                        <p:par>
-                          <p:cTn id="4" fill="hold">
-                            <p:stCondLst>
-                              <p:cond delay="0"/>
-                            </p:stCondLst>
-                            <p:childTnLst>
                               <p:par>
-                                <p:cTn id="5" presetID="2" presetClass="entr" presetSubtype="8" fill="hold" grpId="0" nodeType="withEffect">
-                                  <p:stCondLst>
-                                    <p:cond delay="0"/>
-                                  </p:stCondLst>
-                                  <p:childTnLst>
-                                    <p:set>
-                                      <p:cBhvr>
-                                        <p:cTn id="6" dur="1" fill="hold">
-                                          <p:stCondLst>
-                                            <p:cond delay="0"/>
-                                          </p:stCondLst>
-                                        </p:cTn>
-                                        <p:tgtEl>
-                                          <p:spTgt spid="2"/>
-                                        </p:tgtEl>
-                                        <p:attrNameLst>
-                                          <p:attrName>style.visibility</p:attrName>
-                                        </p:attrNameLst>
-                                      </p:cBhvr>
-                                      <p:to>
-                                        <p:strVal val="visible"/>
-                                      </p:to>
-                                    </p:set>
-                                    <p:anim calcmode="lin" valueType="num">
-                                      <p:cBhvr additive="base">
-                                        <p:cTn id="7" dur="1000" fill="hold"/>
-                                        <p:tgtEl>
-                                          <p:spTgt spid="2"/>
-                                        </p:tgtEl>
-                                        <p:attrNameLst>
-                                          <p:attrName>ppt_x</p:attrName>
-                                        </p:attrNameLst>
-                                      </p:cBhvr>
-                                      <p:tavLst>
-                                        <p:tav tm="0">
-                                          <p:val>
-                                            <p:strVal val="0-#ppt_w/2"/>
-                                          </p:val>
-                                        </p:tav>
-                                        <p:tav tm="100000">
-                                          <p:val>
-                                            <p:strVal val="#ppt_x"/>
-                                          </p:val>
-                                        </p:tav>
-                                      </p:tavLst>
-                                    </p:anim>
-                                    <p:anim calcmode="lin" valueType="num">
-                                      <p:cBhvr additive="base">
-                                        <p:cTn id="8" dur="1000" fill="hold"/>
-                                        <p:tgtEl>
-                                          <p:spTgt spid="2"/>
-                                        </p:tgtEl>
-                                        <p:attrNameLst>
-                                          <p:attrName>ppt_y</p:attrName>
-                                        </p:attrNameLst>
-                                      </p:cBhvr>
-                                      <p:tavLst>
-                                        <p:tav tm="0">
-                                          <p:val>
-                                            <p:strVal val="#ppt_y"/>
-                                          </p:val>
-                                        </p:tav>
-                                        <p:tav tm="100000">
-                                          <p:val>
-                                            <p:strVal val="#ppt_y"/>
-                                          </p:val>
-                                        </p:tav>
-                                      </p:tavLst>
-                                    </p:anim>
-                                  </p:childTnLst>
-                                </p:cTn>
-                              </p:par>
-                            </p:childTnLst>
-                          </p:cTn>
-                        </p:par>
-                        <p:par>
-                          <p:cTn id="9" fill="hold">
-                            <p:stCondLst>
-                              <p:cond delay="1000"/>
-                            </p:stCondLst>
-                            <p:childTnLst>
-                              <p:par>
-                                <p:cTn id="10" presetID="16" presetClass="entr" presetSubtype="37" fill="hold" nodeType="afterEffect">
-                                  <p:stCondLst>
-                                    <p:cond delay="500"/>
-                                  </p:stCondLst>
-                                  <p:childTnLst>
-                                    <p:set>
-                                      <p:cBhvr>
-                                        <p:cTn id="11" dur="1" fill="hold">
-                                          <p:stCondLst>
-                                            <p:cond delay="0"/>
-                                          </p:stCondLst>
-                                        </p:cTn>
-                                        <p:tgtEl>
-                                          <p:spTgt spid="6"/>
-                                        </p:tgtEl>
-                                        <p:attrNameLst>
-                                          <p:attrName>style.visibility</p:attrName>
-                                        </p:attrNameLst>
-                                      </p:cBhvr>
-                                      <p:to>
-                                        <p:strVal val="visible"/>
-                                      </p:to>
-                                    </p:set>
-                                    <p:animEffect transition="in" filter="barn(outVertical)">
-                                      <p:cBhvr>
-                                        <p:cTn id="12" dur="500"/>
-                                        <p:tgtEl>
-                                          <p:spTgt spid="6"/>
-                                        </p:tgtEl>
-                                      </p:cBhvr>
-                                    </p:animEffect>
-                                  </p:childTnLst>
-                                </p:cTn>
-                              </p:par>
-                              <p:par>
-                                <p:cTn id="13" presetID="22" presetClass="entr" presetSubtype="4" fill="hold" grpId="0" nodeType="withEffect">
+                                <p:cTn id="16" presetID="22" presetClass="entr" presetSubtype="4" fill="hold" grpId="0" nodeType="withEffect">
                                   <p:stCondLst>
                                     <p:cond delay="1000"/>
                                   </p:stCondLst>
                                   <p:childTnLst>
                                     <p:set>
                                       <p:cBhvr>
-                                        <p:cTn id="14" dur="1" fill="hold">
+                                        <p:cTn id="17" dur="1" fill="hold">
                                           <p:stCondLst>
                                             <p:cond delay="0"/>
                                           </p:stCondLst>
                                         </p:cTn>
                                         <p:tgtEl>
-                                          <p:spTgt spid="5"/>
+                                          <p:spTgt spid="9"/>
                                         </p:tgtEl>
                                         <p:attrNameLst>
                                           <p:attrName>style.visibility</p:attrName>
@@ -15444,9 +14996,44 @@
                                     </p:set>
                                     <p:animEffect transition="in" filter="wipe(down)">
                                       <p:cBhvr>
-                                        <p:cTn id="15" dur="500"/>
+                                        <p:cTn id="18" dur="500"/>
                                         <p:tgtEl>
-                                          <p:spTgt spid="5"/>
+                                          <p:spTgt spid="9"/>
+                                        </p:tgtEl>
+                                      </p:cBhvr>
+                                    </p:animEffect>
+                                  </p:childTnLst>
+                                </p:cTn>
+                              </p:par>
+                              <p:par>
+                                <p:cTn id="19" presetID="22" presetClass="entr" presetSubtype="4" fill="hold" grpId="0" nodeType="withEffect">
+                                  <p:stCondLst>
+                                    <p:cond delay="1000"/>
+                                  </p:stCondLst>
+                                  <p:childTnLst>
+                                    <p:set>
+                                      <p:cBhvr>
+                                        <p:cTn id="20" dur="1" fill="hold">
+                                          <p:stCondLst>
+                                            <p:cond delay="0"/>
+                                          </p:stCondLst>
+                                        </p:cTn>
+                                        <p:tgtEl>
+                                          <p:spTgt spid="10"/>
+                                        </p:tgtEl>
+                                        <p:attrNameLst>
+                                          <p:attrName>style.visibility</p:attrName>
+                                        </p:attrNameLst>
+                                      </p:cBhvr>
+                                      <p:to>
+                                        <p:strVal val="visible"/>
+                                      </p:to>
+                                    </p:set>
+                                    <p:animEffect transition="in" filter="wipe(down)">
+                                      <p:cBhvr>
+                                        <p:cTn id="21" dur="500"/>
+                                        <p:tgtEl>
+                                          <p:spTgt spid="10"/>
                                         </p:tgtEl>
                                       </p:cBhvr>
                                     </p:animEffect>
@@ -15483,12 +15070,14 @@
     <p:bldLst>
       <p:bldP spid="2" grpId="0"/>
       <p:bldP spid="5" grpId="0" animBg="1"/>
+      <p:bldP spid="9" grpId="0" animBg="1"/>
+      <p:bldP spid="10" grpId="0" animBg="1"/>
     </p:bldLst>
   </p:timing>
 </p:sld>
 </file>
 
-<file path=ppt/slides/slide5.xml><?xml version="1.0" encoding="utf-8"?>
+<file path=ppt/slides/slide4.xml><?xml version="1.0" encoding="utf-8"?>
 <p:sld xmlns:a="http://schemas.openxmlformats.org/drawingml/2006/main" xmlns:r="http://schemas.openxmlformats.org/officeDocument/2006/relationships" xmlns:p="http://schemas.openxmlformats.org/presentationml/2006/main">
   <p:cSld>
     <p:spTree>
@@ -15612,7 +15201,7 @@
         <p:spPr>
           <a:xfrm>
             <a:off x="5773396" y="2166606"/>
-            <a:ext cx="6141582" cy="3323999"/>
+            <a:ext cx="6141582" cy="4234194"/>
           </a:xfrm>
           <a:solidFill>
             <a:schemeClr val="bg2">
@@ -15632,9 +15221,17 @@
           </a:bodyPr>
           <a:lstStyle/>
           <a:p>
+            <a:pPr fontAlgn="base"/>
             <a:r>
               <a:rPr lang="pt-BR" dirty="0"/>
-              <a:t>Apesar do acesso aos livros estar mais facilitado muitas pessoas ainda não têm condições  de adquiri-los enquanto outras pessoas não destino para os livros que já tem, nossa plataforma auxiliaria a todos permitindo a circulação dos livros e de conhecimento</a:t>
+              <a:t>Hoje em dia muitas pessoas tem acesso a livros na internet, porem tem muitas pessoas ainda não têm condições de adquiri-los, enquanto outras pessoas não possuem um destino para os livros que já tem. </a:t>
+            </a:r>
+          </a:p>
+          <a:p>
+            <a:pPr fontAlgn="base"/>
+            <a:r>
+              <a:rPr lang="pt-BR" dirty="0"/>
+              <a:t>Apesar do acesso aos livros estar mais facilitado, muitas pessoas ainda não têm condições de adquiri-los, </a:t>
             </a:r>
           </a:p>
         </p:txBody>
@@ -15863,7 +15460,7 @@
 </p:sld>
 </file>
 
-<file path=ppt/slides/slide6.xml><?xml version="1.0" encoding="utf-8"?>
+<file path=ppt/slides/slide5.xml><?xml version="1.0" encoding="utf-8"?>
 <p:sld xmlns:a="http://schemas.openxmlformats.org/drawingml/2006/main" xmlns:r="http://schemas.openxmlformats.org/officeDocument/2006/relationships" xmlns:p="http://schemas.openxmlformats.org/presentationml/2006/main">
   <p:cSld>
     <p:spTree>
@@ -15880,64 +15477,6 @@
           <a:chExt cx="0" cy="0"/>
         </a:xfrm>
       </p:grpSpPr>
-      <p:sp>
-        <p:nvSpPr>
-          <p:cNvPr id="14" name="Elipse 13">
-            <a:extLst>
-              <a:ext uri="{FF2B5EF4-FFF2-40B4-BE49-F238E27FC236}">
-                <a16:creationId xmlns:a16="http://schemas.microsoft.com/office/drawing/2014/main" id="{07BB0C4A-8BEA-4F2F-8D7D-83E8C85DC5CD}"/>
-              </a:ext>
-            </a:extLst>
-          </p:cNvPr>
-          <p:cNvSpPr>
-            <a:spLocks noChangeAspect="1"/>
-          </p:cNvSpPr>
-          <p:nvPr/>
-        </p:nvSpPr>
-        <p:spPr>
-          <a:xfrm>
-            <a:off x="6292311" y="1660885"/>
-            <a:ext cx="5040000" cy="5040000"/>
-          </a:xfrm>
-          <a:prstGeom prst="ellipse">
-            <a:avLst/>
-          </a:prstGeom>
-          <a:solidFill>
-            <a:schemeClr val="tx1">
-              <a:alpha val="10000"/>
-            </a:schemeClr>
-          </a:solidFill>
-          <a:ln w="57150">
-            <a:solidFill>
-              <a:schemeClr val="tx1"/>
-            </a:solidFill>
-          </a:ln>
-        </p:spPr>
-        <p:style>
-          <a:lnRef idx="2">
-            <a:schemeClr val="accent1">
-              <a:shade val="50000"/>
-            </a:schemeClr>
-          </a:lnRef>
-          <a:fillRef idx="1">
-            <a:schemeClr val="accent1"/>
-          </a:fillRef>
-          <a:effectRef idx="0">
-            <a:schemeClr val="accent1"/>
-          </a:effectRef>
-          <a:fontRef idx="minor">
-            <a:schemeClr val="lt1"/>
-          </a:fontRef>
-        </p:style>
-        <p:txBody>
-          <a:bodyPr rtlCol="0" anchor="t"/>
-          <a:lstStyle/>
-          <a:p>
-            <a:pPr algn="ctr"/>
-            <a:endParaRPr lang="pt-BR"/>
-          </a:p>
-        </p:txBody>
-      </p:sp>
       <p:sp>
         <p:nvSpPr>
           <p:cNvPr id="2" name="Título 1">
@@ -15975,126 +15514,10 @@
       </p:sp>
       <p:sp>
         <p:nvSpPr>
-          <p:cNvPr id="15" name="Elipse 14">
+          <p:cNvPr id="18" name="CaixaDeTexto 17">
             <a:extLst>
               <a:ext uri="{FF2B5EF4-FFF2-40B4-BE49-F238E27FC236}">
-                <a16:creationId xmlns:a16="http://schemas.microsoft.com/office/drawing/2014/main" id="{CD097724-CA23-4076-A578-BB14ED09014D}"/>
-              </a:ext>
-            </a:extLst>
-          </p:cNvPr>
-          <p:cNvSpPr>
-            <a:spLocks noChangeAspect="1"/>
-          </p:cNvSpPr>
-          <p:nvPr/>
-        </p:nvSpPr>
-        <p:spPr>
-          <a:xfrm>
-            <a:off x="7012903" y="2380885"/>
-            <a:ext cx="3598816" cy="3600000"/>
-          </a:xfrm>
-          <a:prstGeom prst="ellipse">
-            <a:avLst/>
-          </a:prstGeom>
-          <a:solidFill>
-            <a:schemeClr val="tx1">
-              <a:alpha val="20000"/>
-            </a:schemeClr>
-          </a:solidFill>
-          <a:ln w="57150">
-            <a:solidFill>
-              <a:schemeClr val="tx1"/>
-            </a:solidFill>
-          </a:ln>
-        </p:spPr>
-        <p:style>
-          <a:lnRef idx="2">
-            <a:schemeClr val="accent1">
-              <a:shade val="50000"/>
-            </a:schemeClr>
-          </a:lnRef>
-          <a:fillRef idx="1">
-            <a:schemeClr val="accent1"/>
-          </a:fillRef>
-          <a:effectRef idx="0">
-            <a:schemeClr val="accent1"/>
-          </a:effectRef>
-          <a:fontRef idx="minor">
-            <a:schemeClr val="lt1"/>
-          </a:fontRef>
-        </p:style>
-        <p:txBody>
-          <a:bodyPr rtlCol="0" anchor="t"/>
-          <a:lstStyle/>
-          <a:p>
-            <a:pPr algn="ctr"/>
-            <a:endParaRPr lang="pt-BR" dirty="0"/>
-          </a:p>
-        </p:txBody>
-      </p:sp>
-      <p:sp>
-        <p:nvSpPr>
-          <p:cNvPr id="16" name="Elipse 15">
-            <a:extLst>
-              <a:ext uri="{FF2B5EF4-FFF2-40B4-BE49-F238E27FC236}">
-                <a16:creationId xmlns:a16="http://schemas.microsoft.com/office/drawing/2014/main" id="{70372820-2BB5-4217-9445-47F78FE2DEF7}"/>
-              </a:ext>
-            </a:extLst>
-          </p:cNvPr>
-          <p:cNvSpPr>
-            <a:spLocks noChangeAspect="1"/>
-          </p:cNvSpPr>
-          <p:nvPr/>
-        </p:nvSpPr>
-        <p:spPr>
-          <a:xfrm>
-            <a:off x="7732311" y="3100885"/>
-            <a:ext cx="2160000" cy="2160000"/>
-          </a:xfrm>
-          <a:prstGeom prst="ellipse">
-            <a:avLst/>
-          </a:prstGeom>
-          <a:solidFill>
-            <a:schemeClr val="tx1">
-              <a:alpha val="30000"/>
-            </a:schemeClr>
-          </a:solidFill>
-          <a:ln w="57150">
-            <a:solidFill>
-              <a:schemeClr val="tx1"/>
-            </a:solidFill>
-          </a:ln>
-        </p:spPr>
-        <p:style>
-          <a:lnRef idx="2">
-            <a:schemeClr val="accent1">
-              <a:shade val="50000"/>
-            </a:schemeClr>
-          </a:lnRef>
-          <a:fillRef idx="1">
-            <a:schemeClr val="accent1"/>
-          </a:fillRef>
-          <a:effectRef idx="0">
-            <a:schemeClr val="accent1"/>
-          </a:effectRef>
-          <a:fontRef idx="minor">
-            <a:schemeClr val="lt1"/>
-          </a:fontRef>
-        </p:style>
-        <p:txBody>
-          <a:bodyPr rtlCol="0" anchor="t"/>
-          <a:lstStyle/>
-          <a:p>
-            <a:pPr algn="ctr"/>
-            <a:endParaRPr lang="pt-BR"/>
-          </a:p>
-        </p:txBody>
-      </p:sp>
-      <p:sp>
-        <p:nvSpPr>
-          <p:cNvPr id="17" name="CaixaDeTexto 16">
-            <a:extLst>
-              <a:ext uri="{FF2B5EF4-FFF2-40B4-BE49-F238E27FC236}">
-                <a16:creationId xmlns:a16="http://schemas.microsoft.com/office/drawing/2014/main" id="{B7725B89-FC78-40C1-95D9-A319BD0F08D4}"/>
+                <a16:creationId xmlns:a16="http://schemas.microsoft.com/office/drawing/2014/main" id="{D94C81F3-02D8-4C3B-917C-7B6872ED0EF3}"/>
               </a:ext>
             </a:extLst>
           </p:cNvPr>
@@ -16103,286 +15526,171 @@
         </p:nvSpPr>
         <p:spPr>
           <a:xfrm>
-            <a:off x="966445" y="2380885"/>
-            <a:ext cx="1930400" cy="707886"/>
+            <a:off x="1468190" y="2305953"/>
+            <a:ext cx="6104586" cy="2661241"/>
           </a:xfrm>
           <a:prstGeom prst="rect">
             <a:avLst/>
           </a:prstGeom>
-          <a:noFill/>
+          <a:solidFill>
+            <a:schemeClr val="bg2">
+              <a:lumMod val="50000"/>
+              <a:alpha val="40000"/>
+            </a:schemeClr>
+          </a:solidFill>
           <a:ln>
-            <a:noFill/>
+            <a:solidFill>
+              <a:srgbClr val="000000"/>
+            </a:solidFill>
           </a:ln>
         </p:spPr>
         <p:txBody>
-          <a:bodyPr wrap="square" rtlCol="0">
-            <a:spAutoFit/>
+          <a:bodyPr vert="horz" lIns="91440" tIns="45720" rIns="91440" bIns="45720" numCol="1" rtlCol="0">
+            <a:normAutofit/>
           </a:bodyPr>
-          <a:lstStyle/>
-          <a:p>
+          <a:lstStyle>
+            <a:defPPr>
+              <a:defRPr lang="en-US"/>
+            </a:defPPr>
+            <a:lvl1pPr marL="228600" indent="-228600" algn="just" defTabSz="914400">
+              <a:lnSpc>
+                <a:spcPct val="120000"/>
+              </a:lnSpc>
+              <a:spcBef>
+                <a:spcPts val="1000"/>
+              </a:spcBef>
+              <a:buSzPct val="125000"/>
+              <a:buFont typeface="Arial" panose="020B0604020202020204" pitchFamily="34" charset="0"/>
+              <a:buChar char="•"/>
+              <a:defRPr sz="2400"/>
+            </a:lvl1pPr>
+            <a:lvl2pPr marL="685800" indent="-228600" defTabSz="914400">
+              <a:lnSpc>
+                <a:spcPct val="120000"/>
+              </a:lnSpc>
+              <a:spcBef>
+                <a:spcPts val="500"/>
+              </a:spcBef>
+              <a:buSzPct val="125000"/>
+              <a:buFont typeface="Arial" panose="020B0604020202020204" pitchFamily="34" charset="0"/>
+              <a:buChar char="•"/>
+              <a:defRPr sz="2000"/>
+            </a:lvl2pPr>
+            <a:lvl3pPr marL="1143000" indent="-228600" defTabSz="914400">
+              <a:lnSpc>
+                <a:spcPct val="120000"/>
+              </a:lnSpc>
+              <a:spcBef>
+                <a:spcPts val="500"/>
+              </a:spcBef>
+              <a:buSzPct val="125000"/>
+              <a:buFont typeface="Arial" panose="020B0604020202020204" pitchFamily="34" charset="0"/>
+              <a:buChar char="•"/>
+            </a:lvl3pPr>
+            <a:lvl4pPr marL="1600200" indent="-228600" defTabSz="914400">
+              <a:lnSpc>
+                <a:spcPct val="120000"/>
+              </a:lnSpc>
+              <a:spcBef>
+                <a:spcPts val="500"/>
+              </a:spcBef>
+              <a:buSzPct val="125000"/>
+              <a:buFont typeface="Arial" panose="020B0604020202020204" pitchFamily="34" charset="0"/>
+              <a:buChar char="•"/>
+              <a:defRPr sz="1600"/>
+            </a:lvl4pPr>
+            <a:lvl5pPr marL="2057400" indent="-228600" defTabSz="914400">
+              <a:lnSpc>
+                <a:spcPct val="120000"/>
+              </a:lnSpc>
+              <a:spcBef>
+                <a:spcPts val="500"/>
+              </a:spcBef>
+              <a:buSzPct val="125000"/>
+              <a:buFont typeface="Arial" panose="020B0604020202020204" pitchFamily="34" charset="0"/>
+              <a:buChar char="•"/>
+              <a:defRPr sz="1600"/>
+            </a:lvl5pPr>
+            <a:lvl6pPr marL="2514600" indent="-228600" defTabSz="914400">
+              <a:lnSpc>
+                <a:spcPct val="120000"/>
+              </a:lnSpc>
+              <a:spcBef>
+                <a:spcPts val="500"/>
+              </a:spcBef>
+              <a:buSzPct val="125000"/>
+              <a:buFont typeface="Arial" panose="020B0604020202020204" pitchFamily="34" charset="0"/>
+              <a:buChar char="•"/>
+              <a:defRPr sz="1400"/>
+            </a:lvl6pPr>
+            <a:lvl7pPr marL="2971800" indent="-228600" defTabSz="914400">
+              <a:lnSpc>
+                <a:spcPct val="120000"/>
+              </a:lnSpc>
+              <a:spcBef>
+                <a:spcPts val="500"/>
+              </a:spcBef>
+              <a:buSzPct val="125000"/>
+              <a:buFont typeface="Arial" panose="020B0604020202020204" pitchFamily="34" charset="0"/>
+              <a:buChar char="•"/>
+              <a:defRPr sz="1400"/>
+            </a:lvl7pPr>
+            <a:lvl8pPr marL="3429000" indent="-228600" defTabSz="914400">
+              <a:lnSpc>
+                <a:spcPct val="120000"/>
+              </a:lnSpc>
+              <a:spcBef>
+                <a:spcPts val="500"/>
+              </a:spcBef>
+              <a:buSzPct val="125000"/>
+              <a:buFont typeface="Arial" panose="020B0604020202020204" pitchFamily="34" charset="0"/>
+              <a:buChar char="•"/>
+              <a:defRPr sz="1400"/>
+            </a:lvl8pPr>
+            <a:lvl9pPr marL="3886200" indent="-228600" defTabSz="914400">
+              <a:lnSpc>
+                <a:spcPct val="120000"/>
+              </a:lnSpc>
+              <a:spcBef>
+                <a:spcPts val="500"/>
+              </a:spcBef>
+              <a:buSzPct val="125000"/>
+              <a:buFont typeface="Arial" panose="020B0604020202020204" pitchFamily="34" charset="0"/>
+              <a:buChar char="•"/>
+              <a:defRPr sz="1400"/>
+            </a:lvl9pPr>
+          </a:lstStyle>
+          <a:p>
+            <a:pPr algn="l"/>
             <a:r>
-              <a:rPr lang="pt-BR" sz="4000" dirty="0"/>
-              <a:t>Leitores</a:t>
+              <a:rPr lang="pt-BR" dirty="0"/>
+              <a:t>Usuários que desejam trocar seus livros</a:t>
             </a:r>
           </a:p>
-        </p:txBody>
-      </p:sp>
-      <p:cxnSp>
-        <p:nvCxnSpPr>
-          <p:cNvPr id="20" name="Conector: Angulado 19">
-            <a:extLst>
-              <a:ext uri="{FF2B5EF4-FFF2-40B4-BE49-F238E27FC236}">
-                <a16:creationId xmlns:a16="http://schemas.microsoft.com/office/drawing/2014/main" id="{6375E8DA-A804-4D33-989A-C936163F5867}"/>
-              </a:ext>
-            </a:extLst>
-          </p:cNvPr>
-          <p:cNvCxnSpPr>
-            <a:cxnSpLocks/>
-            <a:endCxn id="17" idx="3"/>
-          </p:cNvCxnSpPr>
-          <p:nvPr/>
-        </p:nvCxnSpPr>
-        <p:spPr>
-          <a:xfrm rot="10800000">
-            <a:off x="2896845" y="2734829"/>
-            <a:ext cx="5221690" cy="1440539"/>
-          </a:xfrm>
-          <a:prstGeom prst="bentConnector3">
-            <a:avLst>
-              <a:gd name="adj1" fmla="val 46438"/>
-            </a:avLst>
-          </a:prstGeom>
-          <a:ln w="31750" cap="rnd">
-            <a:solidFill>
-              <a:schemeClr val="tx1"/>
-            </a:solidFill>
-            <a:headEnd type="oval" w="med" len="med"/>
-            <a:tailEnd type="oval" w="med" len="med"/>
-          </a:ln>
-        </p:spPr>
-        <p:style>
-          <a:lnRef idx="1">
-            <a:schemeClr val="accent1"/>
-          </a:lnRef>
-          <a:fillRef idx="0">
-            <a:schemeClr val="accent1"/>
-          </a:fillRef>
-          <a:effectRef idx="0">
-            <a:schemeClr val="accent1"/>
-          </a:effectRef>
-          <a:fontRef idx="minor">
-            <a:schemeClr val="tx1"/>
-          </a:fontRef>
-        </p:style>
-      </p:cxnSp>
-      <p:pic>
-        <p:nvPicPr>
-          <p:cNvPr id="10" name="Gráfico 9" descr="Usuários">
-            <a:extLst>
-              <a:ext uri="{FF2B5EF4-FFF2-40B4-BE49-F238E27FC236}">
-                <a16:creationId xmlns:a16="http://schemas.microsoft.com/office/drawing/2014/main" id="{08643940-DFB8-46C1-B33D-605CF6F676A7}"/>
-              </a:ext>
-            </a:extLst>
-          </p:cNvPr>
-          <p:cNvPicPr>
-            <a:picLocks noChangeAspect="1"/>
-          </p:cNvPicPr>
-          <p:nvPr/>
-        </p:nvPicPr>
-        <p:blipFill>
-          <a:blip r:embed="rId2">
-            <a:extLst>
-              <a:ext uri="{28A0092B-C50C-407E-A947-70E740481C1C}">
-                <a14:useLocalDpi xmlns:a14="http://schemas.microsoft.com/office/drawing/2010/main" val="0"/>
-              </a:ext>
-              <a:ext uri="{96DAC541-7B7A-43D3-8B79-37D633B846F1}">
-                <asvg:svgBlip xmlns:asvg="http://schemas.microsoft.com/office/drawing/2016/SVG/main" r:embed="rId3"/>
-              </a:ext>
-            </a:extLst>
-          </a:blip>
-          <a:stretch>
-            <a:fillRect/>
-          </a:stretch>
-        </p:blipFill>
-        <p:spPr>
-          <a:xfrm>
-            <a:off x="8207768" y="3576342"/>
-            <a:ext cx="1209085" cy="1209085"/>
-          </a:xfrm>
-          <a:prstGeom prst="rect">
-            <a:avLst/>
-          </a:prstGeom>
-        </p:spPr>
-      </p:pic>
-      <p:cxnSp>
-        <p:nvCxnSpPr>
-          <p:cNvPr id="23" name="Conector: Angulado 22">
-            <a:extLst>
-              <a:ext uri="{FF2B5EF4-FFF2-40B4-BE49-F238E27FC236}">
-                <a16:creationId xmlns:a16="http://schemas.microsoft.com/office/drawing/2014/main" id="{A9C4FF6A-7875-4AFF-BAA7-53DF0EABC63A}"/>
-              </a:ext>
-            </a:extLst>
-          </p:cNvPr>
-          <p:cNvCxnSpPr>
-            <a:cxnSpLocks/>
-            <a:endCxn id="40" idx="3"/>
-          </p:cNvCxnSpPr>
-          <p:nvPr/>
-        </p:nvCxnSpPr>
-        <p:spPr>
-          <a:xfrm rot="10800000">
-            <a:off x="2896846" y="3783654"/>
-            <a:ext cx="4835469" cy="1303184"/>
-          </a:xfrm>
-          <a:prstGeom prst="bentConnector3">
-            <a:avLst>
-              <a:gd name="adj1" fmla="val 53526"/>
-            </a:avLst>
-          </a:prstGeom>
-          <a:ln w="31750" cap="rnd">
-            <a:solidFill>
-              <a:schemeClr val="tx1"/>
-            </a:solidFill>
-            <a:headEnd type="oval" w="med" len="med"/>
-            <a:tailEnd type="oval" w="med" len="med"/>
-          </a:ln>
-        </p:spPr>
-        <p:style>
-          <a:lnRef idx="1">
-            <a:schemeClr val="accent1"/>
-          </a:lnRef>
-          <a:fillRef idx="0">
-            <a:schemeClr val="accent1"/>
-          </a:fillRef>
-          <a:effectRef idx="0">
-            <a:schemeClr val="accent1"/>
-          </a:effectRef>
-          <a:fontRef idx="minor">
-            <a:schemeClr val="tx1"/>
-          </a:fontRef>
-        </p:style>
-      </p:cxnSp>
-      <p:cxnSp>
-        <p:nvCxnSpPr>
-          <p:cNvPr id="29" name="Conector: Angulado 28">
-            <a:extLst>
-              <a:ext uri="{FF2B5EF4-FFF2-40B4-BE49-F238E27FC236}">
-                <a16:creationId xmlns:a16="http://schemas.microsoft.com/office/drawing/2014/main" id="{FBD8C613-F9ED-4247-BE53-3E54E301D16A}"/>
-              </a:ext>
-            </a:extLst>
-          </p:cNvPr>
-          <p:cNvCxnSpPr>
-            <a:cxnSpLocks/>
-            <a:endCxn id="41" idx="3"/>
-          </p:cNvCxnSpPr>
-          <p:nvPr/>
-        </p:nvCxnSpPr>
-        <p:spPr>
-          <a:xfrm rot="10800000">
-            <a:off x="3885151" y="4832480"/>
-            <a:ext cx="3684894" cy="1023178"/>
-          </a:xfrm>
-          <a:prstGeom prst="bentConnector3">
-            <a:avLst>
-              <a:gd name="adj1" fmla="val 78600"/>
-            </a:avLst>
-          </a:prstGeom>
-          <a:ln w="31750" cap="rnd">
-            <a:solidFill>
-              <a:schemeClr val="tx1"/>
-            </a:solidFill>
-            <a:headEnd type="oval" w="med" len="med"/>
-            <a:tailEnd type="oval" w="med" len="med"/>
-          </a:ln>
-        </p:spPr>
-        <p:style>
-          <a:lnRef idx="1">
-            <a:schemeClr val="accent1"/>
-          </a:lnRef>
-          <a:fillRef idx="0">
-            <a:schemeClr val="accent1"/>
-          </a:fillRef>
-          <a:effectRef idx="0">
-            <a:schemeClr val="accent1"/>
-          </a:effectRef>
-          <a:fontRef idx="minor">
-            <a:schemeClr val="tx1"/>
-          </a:fontRef>
-        </p:style>
-      </p:cxnSp>
-      <p:sp>
-        <p:nvSpPr>
-          <p:cNvPr id="40" name="CaixaDeTexto 39">
-            <a:extLst>
-              <a:ext uri="{FF2B5EF4-FFF2-40B4-BE49-F238E27FC236}">
-                <a16:creationId xmlns:a16="http://schemas.microsoft.com/office/drawing/2014/main" id="{0203FF8B-B836-460F-9895-B06604118447}"/>
-              </a:ext>
-            </a:extLst>
-          </p:cNvPr>
-          <p:cNvSpPr txBox="1"/>
-          <p:nvPr/>
-        </p:nvSpPr>
-        <p:spPr>
-          <a:xfrm>
-            <a:off x="966445" y="3429711"/>
-            <a:ext cx="1930400" cy="707886"/>
-          </a:xfrm>
-          <a:prstGeom prst="rect">
-            <a:avLst/>
-          </a:prstGeom>
-          <a:noFill/>
-          <a:ln>
-            <a:noFill/>
-          </a:ln>
-        </p:spPr>
-        <p:txBody>
-          <a:bodyPr wrap="square" rtlCol="0">
-            <a:spAutoFit/>
-          </a:bodyPr>
-          <a:lstStyle/>
-          <a:p>
+          <a:p>
+            <a:pPr algn="l"/>
             <a:r>
-              <a:rPr lang="pt-BR" sz="4000" dirty="0"/>
-              <a:t>Sistema</a:t>
+              <a:rPr lang="pt-BR" dirty="0"/>
+              <a:t>Usuários que desejam emprestar livros</a:t>
             </a:r>
           </a:p>
-        </p:txBody>
-      </p:sp>
-      <p:sp>
-        <p:nvSpPr>
-          <p:cNvPr id="41" name="CaixaDeTexto 40">
-            <a:extLst>
-              <a:ext uri="{FF2B5EF4-FFF2-40B4-BE49-F238E27FC236}">
-                <a16:creationId xmlns:a16="http://schemas.microsoft.com/office/drawing/2014/main" id="{8355BAB7-1D1C-490C-82D7-263C9C17EE94}"/>
-              </a:ext>
-            </a:extLst>
-          </p:cNvPr>
-          <p:cNvSpPr txBox="1"/>
-          <p:nvPr/>
-        </p:nvSpPr>
-        <p:spPr>
-          <a:xfrm>
-            <a:off x="966445" y="4478537"/>
-            <a:ext cx="2918706" cy="707886"/>
-          </a:xfrm>
-          <a:prstGeom prst="rect">
-            <a:avLst/>
-          </a:prstGeom>
-          <a:noFill/>
-          <a:ln>
-            <a:noFill/>
-          </a:ln>
-        </p:spPr>
-        <p:txBody>
-          <a:bodyPr wrap="square" rtlCol="0">
-            <a:spAutoFit/>
-          </a:bodyPr>
-          <a:lstStyle/>
-          <a:p>
+          <a:p>
+            <a:pPr algn="l"/>
             <a:r>
-              <a:rPr lang="pt-BR" sz="4000" dirty="0"/>
-              <a:t>Fornecedores</a:t>
+              <a:rPr lang="pt-BR" dirty="0"/>
+              <a:t>Usuários que querem fazer uma doação</a:t>
             </a:r>
+          </a:p>
+          <a:p>
+            <a:pPr algn="l"/>
+            <a:r>
+              <a:rPr lang="pt-BR" dirty="0"/>
+              <a:t>Administradores do projeto</a:t>
+            </a:r>
+            <a:br>
+              <a:rPr lang="pt-BR" dirty="0"/>
+            </a:br>
+            <a:endParaRPr lang="pt-BR" dirty="0"/>
           </a:p>
         </p:txBody>
       </p:sp>
@@ -16495,30 +15803,21 @@
                                   </p:childTnLst>
                                 </p:cTn>
                               </p:par>
-                            </p:childTnLst>
-                          </p:cTn>
-                        </p:par>
-                        <p:par>
-                          <p:cTn id="9" fill="hold">
-                            <p:stCondLst>
-                              <p:cond delay="1000"/>
-                            </p:stCondLst>
-                            <p:childTnLst>
                               <p:par>
-                                <p:cTn id="10" presetID="21" presetClass="entr" presetSubtype="8" fill="hold" grpId="0" nodeType="afterEffect">
+                                <p:cTn id="9" presetID="22" presetClass="entr" presetSubtype="4" fill="hold" grpId="0" nodeType="withEffect">
                                   <p:stCondLst>
-                                    <p:cond delay="500"/>
+                                    <p:cond delay="750"/>
                                   </p:stCondLst>
                                   <p:childTnLst>
                                     <p:set>
                                       <p:cBhvr>
-                                        <p:cTn id="11" dur="1" fill="hold">
+                                        <p:cTn id="10" dur="1" fill="hold">
                                           <p:stCondLst>
                                             <p:cond delay="0"/>
                                           </p:stCondLst>
                                         </p:cTn>
                                         <p:tgtEl>
-                                          <p:spTgt spid="14"/>
+                                          <p:spTgt spid="18"/>
                                         </p:tgtEl>
                                         <p:attrNameLst>
                                           <p:attrName>style.visibility</p:attrName>
@@ -16528,407 +15827,11 @@
                                         <p:strVal val="visible"/>
                                       </p:to>
                                     </p:set>
-                                    <p:animEffect transition="in" filter="wheel(8)">
+                                    <p:animEffect transition="in" filter="wipe(down)">
                                       <p:cBhvr>
-                                        <p:cTn id="12" dur="2000"/>
+                                        <p:cTn id="11" dur="500"/>
                                         <p:tgtEl>
-                                          <p:spTgt spid="14"/>
-                                        </p:tgtEl>
-                                      </p:cBhvr>
-                                    </p:animEffect>
-                                  </p:childTnLst>
-                                </p:cTn>
-                              </p:par>
-                              <p:par>
-                                <p:cTn id="13" presetID="21" presetClass="entr" presetSubtype="8" fill="hold" grpId="0" nodeType="withEffect">
-                                  <p:stCondLst>
-                                    <p:cond delay="750"/>
-                                  </p:stCondLst>
-                                  <p:childTnLst>
-                                    <p:set>
-                                      <p:cBhvr>
-                                        <p:cTn id="14" dur="1" fill="hold">
-                                          <p:stCondLst>
-                                            <p:cond delay="0"/>
-                                          </p:stCondLst>
-                                        </p:cTn>
-                                        <p:tgtEl>
-                                          <p:spTgt spid="15"/>
-                                        </p:tgtEl>
-                                        <p:attrNameLst>
-                                          <p:attrName>style.visibility</p:attrName>
-                                        </p:attrNameLst>
-                                      </p:cBhvr>
-                                      <p:to>
-                                        <p:strVal val="visible"/>
-                                      </p:to>
-                                    </p:set>
-                                    <p:animEffect transition="in" filter="wheel(8)">
-                                      <p:cBhvr>
-                                        <p:cTn id="15" dur="2000"/>
-                                        <p:tgtEl>
-                                          <p:spTgt spid="15"/>
-                                        </p:tgtEl>
-                                      </p:cBhvr>
-                                    </p:animEffect>
-                                  </p:childTnLst>
-                                </p:cTn>
-                              </p:par>
-                              <p:par>
-                                <p:cTn id="16" presetID="21" presetClass="entr" presetSubtype="8" fill="hold" grpId="0" nodeType="withEffect">
-                                  <p:stCondLst>
-                                    <p:cond delay="1000"/>
-                                  </p:stCondLst>
-                                  <p:childTnLst>
-                                    <p:set>
-                                      <p:cBhvr>
-                                        <p:cTn id="17" dur="1" fill="hold">
-                                          <p:stCondLst>
-                                            <p:cond delay="0"/>
-                                          </p:stCondLst>
-                                        </p:cTn>
-                                        <p:tgtEl>
-                                          <p:spTgt spid="16"/>
-                                        </p:tgtEl>
-                                        <p:attrNameLst>
-                                          <p:attrName>style.visibility</p:attrName>
-                                        </p:attrNameLst>
-                                      </p:cBhvr>
-                                      <p:to>
-                                        <p:strVal val="visible"/>
-                                      </p:to>
-                                    </p:set>
-                                    <p:animEffect transition="in" filter="wheel(8)">
-                                      <p:cBhvr>
-                                        <p:cTn id="18" dur="2000"/>
-                                        <p:tgtEl>
-                                          <p:spTgt spid="16"/>
-                                        </p:tgtEl>
-                                      </p:cBhvr>
-                                    </p:animEffect>
-                                  </p:childTnLst>
-                                </p:cTn>
-                              </p:par>
-                              <p:par>
-                                <p:cTn id="19" presetID="21" presetClass="entr" presetSubtype="8" fill="hold" nodeType="withEffect">
-                                  <p:stCondLst>
-                                    <p:cond delay="1250"/>
-                                  </p:stCondLst>
-                                  <p:childTnLst>
-                                    <p:set>
-                                      <p:cBhvr>
-                                        <p:cTn id="20" dur="1" fill="hold">
-                                          <p:stCondLst>
-                                            <p:cond delay="0"/>
-                                          </p:stCondLst>
-                                        </p:cTn>
-                                        <p:tgtEl>
-                                          <p:spTgt spid="10"/>
-                                        </p:tgtEl>
-                                        <p:attrNameLst>
-                                          <p:attrName>style.visibility</p:attrName>
-                                        </p:attrNameLst>
-                                      </p:cBhvr>
-                                      <p:to>
-                                        <p:strVal val="visible"/>
-                                      </p:to>
-                                    </p:set>
-                                    <p:animEffect transition="in" filter="wheel(8)">
-                                      <p:cBhvr>
-                                        <p:cTn id="21" dur="2000"/>
-                                        <p:tgtEl>
-                                          <p:spTgt spid="10"/>
-                                        </p:tgtEl>
-                                      </p:cBhvr>
-                                    </p:animEffect>
-                                  </p:childTnLst>
-                                </p:cTn>
-                              </p:par>
-                            </p:childTnLst>
-                          </p:cTn>
-                        </p:par>
-                      </p:childTnLst>
-                    </p:cTn>
-                  </p:par>
-                  <p:par>
-                    <p:cTn id="22" fill="hold">
-                      <p:stCondLst>
-                        <p:cond delay="indefinite"/>
-                      </p:stCondLst>
-                      <p:childTnLst>
-                        <p:par>
-                          <p:cTn id="23" fill="hold">
-                            <p:stCondLst>
-                              <p:cond delay="0"/>
-                            </p:stCondLst>
-                            <p:childTnLst>
-                              <p:par>
-                                <p:cTn id="24" presetID="22" presetClass="entr" presetSubtype="2" fill="hold" nodeType="clickEffect">
-                                  <p:stCondLst>
-                                    <p:cond delay="0"/>
-                                  </p:stCondLst>
-                                  <p:childTnLst>
-                                    <p:set>
-                                      <p:cBhvr>
-                                        <p:cTn id="25" dur="1" fill="hold">
-                                          <p:stCondLst>
-                                            <p:cond delay="0"/>
-                                          </p:stCondLst>
-                                        </p:cTn>
-                                        <p:tgtEl>
-                                          <p:spTgt spid="20"/>
-                                        </p:tgtEl>
-                                        <p:attrNameLst>
-                                          <p:attrName>style.visibility</p:attrName>
-                                        </p:attrNameLst>
-                                      </p:cBhvr>
-                                      <p:to>
-                                        <p:strVal val="visible"/>
-                                      </p:to>
-                                    </p:set>
-                                    <p:animEffect transition="in" filter="wipe(right)">
-                                      <p:cBhvr>
-                                        <p:cTn id="26" dur="1000"/>
-                                        <p:tgtEl>
-                                          <p:spTgt spid="20"/>
-                                        </p:tgtEl>
-                                      </p:cBhvr>
-                                    </p:animEffect>
-                                  </p:childTnLst>
-                                </p:cTn>
-                              </p:par>
-                            </p:childTnLst>
-                          </p:cTn>
-                        </p:par>
-                        <p:par>
-                          <p:cTn id="27" fill="hold">
-                            <p:stCondLst>
-                              <p:cond delay="1000"/>
-                            </p:stCondLst>
-                            <p:childTnLst>
-                              <p:par>
-                                <p:cTn id="28" presetID="22" presetClass="entr" presetSubtype="2" fill="hold" grpId="0" nodeType="afterEffect">
-                                  <p:stCondLst>
-                                    <p:cond delay="0"/>
-                                  </p:stCondLst>
-                                  <p:childTnLst>
-                                    <p:set>
-                                      <p:cBhvr>
-                                        <p:cTn id="29" dur="1" fill="hold">
-                                          <p:stCondLst>
-                                            <p:cond delay="0"/>
-                                          </p:stCondLst>
-                                        </p:cTn>
-                                        <p:tgtEl>
-                                          <p:spTgt spid="17"/>
-                                        </p:tgtEl>
-                                        <p:attrNameLst>
-                                          <p:attrName>style.visibility</p:attrName>
-                                        </p:attrNameLst>
-                                      </p:cBhvr>
-                                      <p:to>
-                                        <p:strVal val="visible"/>
-                                      </p:to>
-                                    </p:set>
-                                    <p:animEffect transition="in" filter="wipe(right)">
-                                      <p:cBhvr>
-                                        <p:cTn id="30" dur="1000"/>
-                                        <p:tgtEl>
-                                          <p:spTgt spid="17"/>
-                                        </p:tgtEl>
-                                      </p:cBhvr>
-                                    </p:animEffect>
-                                  </p:childTnLst>
-                                </p:cTn>
-                              </p:par>
-                            </p:childTnLst>
-                          </p:cTn>
-                        </p:par>
-                      </p:childTnLst>
-                    </p:cTn>
-                  </p:par>
-                  <p:par>
-                    <p:cTn id="31" fill="hold">
-                      <p:stCondLst>
-                        <p:cond delay="indefinite"/>
-                      </p:stCondLst>
-                      <p:childTnLst>
-                        <p:par>
-                          <p:cTn id="32" fill="hold">
-                            <p:stCondLst>
-                              <p:cond delay="0"/>
-                            </p:stCondLst>
-                            <p:childTnLst>
-                              <p:par>
-                                <p:cTn id="33" presetID="22" presetClass="entr" presetSubtype="2" fill="hold" nodeType="clickEffect">
-                                  <p:stCondLst>
-                                    <p:cond delay="0"/>
-                                  </p:stCondLst>
-                                  <p:childTnLst>
-                                    <p:set>
-                                      <p:cBhvr>
-                                        <p:cTn id="34" dur="1" fill="hold">
-                                          <p:stCondLst>
-                                            <p:cond delay="0"/>
-                                          </p:stCondLst>
-                                        </p:cTn>
-                                        <p:tgtEl>
-                                          <p:spTgt spid="23"/>
-                                        </p:tgtEl>
-                                        <p:attrNameLst>
-                                          <p:attrName>style.visibility</p:attrName>
-                                        </p:attrNameLst>
-                                      </p:cBhvr>
-                                      <p:to>
-                                        <p:strVal val="visible"/>
-                                      </p:to>
-                                    </p:set>
-                                    <p:animEffect transition="in" filter="wipe(right)">
-                                      <p:cBhvr>
-                                        <p:cTn id="35" dur="1000"/>
-                                        <p:tgtEl>
-                                          <p:spTgt spid="23"/>
-                                        </p:tgtEl>
-                                      </p:cBhvr>
-                                    </p:animEffect>
-                                  </p:childTnLst>
-                                </p:cTn>
-                              </p:par>
-                            </p:childTnLst>
-                          </p:cTn>
-                        </p:par>
-                        <p:par>
-                          <p:cTn id="36" fill="hold">
-                            <p:stCondLst>
-                              <p:cond delay="1000"/>
-                            </p:stCondLst>
-                            <p:childTnLst>
-                              <p:par>
-                                <p:cTn id="37" presetID="22" presetClass="entr" presetSubtype="2" fill="hold" grpId="0" nodeType="afterEffect">
-                                  <p:stCondLst>
-                                    <p:cond delay="0"/>
-                                  </p:stCondLst>
-                                  <p:childTnLst>
-                                    <p:set>
-                                      <p:cBhvr>
-                                        <p:cTn id="38" dur="1" fill="hold">
-                                          <p:stCondLst>
-                                            <p:cond delay="0"/>
-                                          </p:stCondLst>
-                                        </p:cTn>
-                                        <p:tgtEl>
-                                          <p:spTgt spid="40"/>
-                                        </p:tgtEl>
-                                        <p:attrNameLst>
-                                          <p:attrName>style.visibility</p:attrName>
-                                        </p:attrNameLst>
-                                      </p:cBhvr>
-                                      <p:to>
-                                        <p:strVal val="visible"/>
-                                      </p:to>
-                                    </p:set>
-                                    <p:animEffect transition="in" filter="wipe(right)">
-                                      <p:cBhvr>
-                                        <p:cTn id="39" dur="1000"/>
-                                        <p:tgtEl>
-                                          <p:spTgt spid="40"/>
-                                        </p:tgtEl>
-                                      </p:cBhvr>
-                                    </p:animEffect>
-                                  </p:childTnLst>
-                                </p:cTn>
-                              </p:par>
-                            </p:childTnLst>
-                          </p:cTn>
-                        </p:par>
-                      </p:childTnLst>
-                    </p:cTn>
-                  </p:par>
-                  <p:par>
-                    <p:cTn id="40" fill="hold">
-                      <p:stCondLst>
-                        <p:cond delay="indefinite"/>
-                      </p:stCondLst>
-                      <p:childTnLst>
-                        <p:par>
-                          <p:cTn id="41" fill="hold">
-                            <p:stCondLst>
-                              <p:cond delay="0"/>
-                            </p:stCondLst>
-                            <p:childTnLst>
-                              <p:par>
-                                <p:cTn id="42" presetID="22" presetClass="entr" presetSubtype="2" fill="hold" nodeType="clickEffect">
-                                  <p:stCondLst>
-                                    <p:cond delay="0"/>
-                                  </p:stCondLst>
-                                  <p:childTnLst>
-                                    <p:set>
-                                      <p:cBhvr>
-                                        <p:cTn id="43" dur="1" fill="hold">
-                                          <p:stCondLst>
-                                            <p:cond delay="0"/>
-                                          </p:stCondLst>
-                                        </p:cTn>
-                                        <p:tgtEl>
-                                          <p:spTgt spid="29"/>
-                                        </p:tgtEl>
-                                        <p:attrNameLst>
-                                          <p:attrName>style.visibility</p:attrName>
-                                        </p:attrNameLst>
-                                      </p:cBhvr>
-                                      <p:to>
-                                        <p:strVal val="visible"/>
-                                      </p:to>
-                                    </p:set>
-                                    <p:animEffect transition="in" filter="wipe(right)">
-                                      <p:cBhvr>
-                                        <p:cTn id="44" dur="1000"/>
-                                        <p:tgtEl>
-                                          <p:spTgt spid="29"/>
-                                        </p:tgtEl>
-                                      </p:cBhvr>
-                                    </p:animEffect>
-                                  </p:childTnLst>
-                                </p:cTn>
-                              </p:par>
-                            </p:childTnLst>
-                          </p:cTn>
-                        </p:par>
-                        <p:par>
-                          <p:cTn id="45" fill="hold">
-                            <p:stCondLst>
-                              <p:cond delay="1000"/>
-                            </p:stCondLst>
-                            <p:childTnLst>
-                              <p:par>
-                                <p:cTn id="46" presetID="22" presetClass="entr" presetSubtype="2" fill="hold" grpId="0" nodeType="afterEffect">
-                                  <p:stCondLst>
-                                    <p:cond delay="0"/>
-                                  </p:stCondLst>
-                                  <p:childTnLst>
-                                    <p:set>
-                                      <p:cBhvr>
-                                        <p:cTn id="47" dur="1" fill="hold">
-                                          <p:stCondLst>
-                                            <p:cond delay="0"/>
-                                          </p:stCondLst>
-                                        </p:cTn>
-                                        <p:tgtEl>
-                                          <p:spTgt spid="41"/>
-                                        </p:tgtEl>
-                                        <p:attrNameLst>
-                                          <p:attrName>style.visibility</p:attrName>
-                                        </p:attrNameLst>
-                                      </p:cBhvr>
-                                      <p:to>
-                                        <p:strVal val="visible"/>
-                                      </p:to>
-                                    </p:set>
-                                    <p:animEffect transition="in" filter="wipe(right)">
-                                      <p:cBhvr>
-                                        <p:cTn id="48" dur="1000"/>
-                                        <p:tgtEl>
-                                          <p:spTgt spid="41"/>
+                                          <p:spTgt spid="18"/>
                                         </p:tgtEl>
                                       </p:cBhvr>
                                     </p:animEffect>
@@ -16963,19 +15866,14 @@
       </p:par>
     </p:tnLst>
     <p:bldLst>
-      <p:bldP spid="14" grpId="0" animBg="1"/>
       <p:bldP spid="2" grpId="0"/>
-      <p:bldP spid="15" grpId="0" animBg="1"/>
-      <p:bldP spid="16" grpId="0" animBg="1"/>
-      <p:bldP spid="17" grpId="0"/>
-      <p:bldP spid="40" grpId="0"/>
-      <p:bldP spid="41" grpId="0"/>
+      <p:bldP spid="18" grpId="0" animBg="1"/>
     </p:bldLst>
   </p:timing>
 </p:sld>
 </file>
 
-<file path=ppt/slides/slide7.xml><?xml version="1.0" encoding="utf-8"?>
+<file path=ppt/slides/slide6.xml><?xml version="1.0" encoding="utf-8"?>
 <p:sld xmlns:a="http://schemas.openxmlformats.org/drawingml/2006/main" xmlns:r="http://schemas.openxmlformats.org/officeDocument/2006/relationships" xmlns:p="http://schemas.openxmlformats.org/presentationml/2006/main">
   <p:cSld>
     <p:spTree>
